--- a/07. Test Management/Risk and Testing.pptx
+++ b/07. Test Management/Risk and Testing.pptx
@@ -27,22 +27,21 @@
     <p:sldId id="279" r:id="rId21"/>
     <p:sldId id="280" r:id="rId22"/>
     <p:sldId id="281" r:id="rId23"/>
-    <p:sldId id="282" r:id="rId24"/>
-    <p:sldId id="283" r:id="rId25"/>
-    <p:sldId id="284" r:id="rId26"/>
-    <p:sldId id="285" r:id="rId27"/>
-    <p:sldId id="286" r:id="rId28"/>
-    <p:sldId id="287" r:id="rId29"/>
-    <p:sldId id="288" r:id="rId30"/>
-    <p:sldId id="289" r:id="rId31"/>
-    <p:sldId id="290" r:id="rId32"/>
-    <p:sldId id="291" r:id="rId33"/>
-    <p:sldId id="292" r:id="rId34"/>
-    <p:sldId id="293" r:id="rId35"/>
-    <p:sldId id="294" r:id="rId36"/>
-    <p:sldId id="295" r:id="rId37"/>
-    <p:sldId id="296" r:id="rId38"/>
-    <p:sldId id="298" r:id="rId39"/>
+    <p:sldId id="283" r:id="rId24"/>
+    <p:sldId id="284" r:id="rId25"/>
+    <p:sldId id="285" r:id="rId26"/>
+    <p:sldId id="286" r:id="rId27"/>
+    <p:sldId id="287" r:id="rId28"/>
+    <p:sldId id="288" r:id="rId29"/>
+    <p:sldId id="289" r:id="rId30"/>
+    <p:sldId id="290" r:id="rId31"/>
+    <p:sldId id="291" r:id="rId32"/>
+    <p:sldId id="292" r:id="rId33"/>
+    <p:sldId id="293" r:id="rId34"/>
+    <p:sldId id="294" r:id="rId35"/>
+    <p:sldId id="295" r:id="rId36"/>
+    <p:sldId id="296" r:id="rId37"/>
+    <p:sldId id="298" r:id="rId38"/>
   </p:sldIdLst>
   <p:sldSz cx="9144000" cy="6858000" type="screen4x3"/>
   <p:notesSz cx="6858000" cy="9144000"/>
@@ -1846,6 +1845,884 @@
       <dsp:cNvGrpSpPr/>
     </dsp:nvGrpSpPr>
     <dsp:grpSpPr/>
+    <dsp:sp modelId="{F3BD2CEE-2388-4792-B48B-520CA18C70B4}">
+      <dsp:nvSpPr>
+        <dsp:cNvPr id="0" name=""/>
+        <dsp:cNvSpPr/>
+      </dsp:nvSpPr>
+      <dsp:spPr>
+        <a:xfrm>
+          <a:off x="2880762" y="3"/>
+          <a:ext cx="1927724" cy="1040704"/>
+        </a:xfrm>
+        <a:prstGeom prst="roundRect">
+          <a:avLst>
+            <a:gd name="adj" fmla="val 10000"/>
+          </a:avLst>
+        </a:prstGeom>
+        <a:gradFill flip="none" rotWithShape="1">
+          <a:gsLst>
+            <a:gs pos="0">
+              <a:schemeClr val="accent5">
+                <a:lumMod val="20000"/>
+                <a:lumOff val="80000"/>
+              </a:schemeClr>
+            </a:gs>
+            <a:gs pos="39999">
+              <a:schemeClr val="tx2">
+                <a:lumMod val="60000"/>
+                <a:lumOff val="40000"/>
+              </a:schemeClr>
+            </a:gs>
+            <a:gs pos="100000">
+              <a:schemeClr val="tx2">
+                <a:lumMod val="75000"/>
+              </a:schemeClr>
+            </a:gs>
+          </a:gsLst>
+          <a:lin ang="4800000" scaled="0"/>
+          <a:tileRect/>
+        </a:gradFill>
+        <a:ln w="25400" cap="flat" cmpd="sng" algn="ctr">
+          <a:noFill/>
+          <a:prstDash val="solid"/>
+        </a:ln>
+        <a:effectLst>
+          <a:outerShdw blurRad="50800" dist="38100" dir="2700000" algn="tl" rotWithShape="0">
+            <a:schemeClr val="bg2">
+              <a:lumMod val="60000"/>
+              <a:lumOff val="40000"/>
+              <a:alpha val="40000"/>
+            </a:schemeClr>
+          </a:outerShdw>
+        </a:effectLst>
+        <a:scene3d>
+          <a:camera prst="orthographicFront"/>
+          <a:lightRig rig="threePt" dir="t"/>
+        </a:scene3d>
+        <a:sp3d extrusionH="76200" contourW="12700">
+          <a:bevelT/>
+          <a:extrusionClr>
+            <a:schemeClr val="accent5">
+              <a:lumMod val="20000"/>
+              <a:lumOff val="80000"/>
+            </a:schemeClr>
+          </a:extrusionClr>
+          <a:contourClr>
+            <a:schemeClr val="bg2">
+              <a:lumMod val="40000"/>
+              <a:lumOff val="60000"/>
+            </a:schemeClr>
+          </a:contourClr>
+        </a:sp3d>
+      </dsp:spPr>
+      <dsp:style>
+        <a:lnRef idx="2">
+          <a:scrgbClr r="0" g="0" b="0"/>
+        </a:lnRef>
+        <a:fillRef idx="1">
+          <a:scrgbClr r="0" g="0" b="0"/>
+        </a:fillRef>
+        <a:effectRef idx="0">
+          <a:scrgbClr r="0" g="0" b="0"/>
+        </a:effectRef>
+        <a:fontRef idx="minor">
+          <a:schemeClr val="lt1"/>
+        </a:fontRef>
+      </dsp:style>
+      <dsp:txBody>
+        <a:bodyPr spcFirstLastPara="0" vert="horz" wrap="square" lIns="91440" tIns="91440" rIns="91440" bIns="91440" numCol="1" spcCol="1270" anchor="ctr" anchorCtr="0">
+          <a:noAutofit/>
+        </a:bodyPr>
+        <a:lstStyle/>
+        <a:p>
+          <a:pPr lvl="0" algn="ctr" defTabSz="1066800">
+            <a:lnSpc>
+              <a:spcPct val="90000"/>
+            </a:lnSpc>
+            <a:spcBef>
+              <a:spcPct val="0"/>
+            </a:spcBef>
+            <a:spcAft>
+              <a:spcPct val="35000"/>
+            </a:spcAft>
+          </a:pPr>
+          <a:r>
+            <a:rPr lang="en-US" sz="2400" b="1" kern="1200" dirty="0" smtClean="0">
+              <a:solidFill>
+                <a:schemeClr val="bg1"/>
+              </a:solidFill>
+              <a:effectLst>
+                <a:outerShdw blurRad="38100" dist="38100" dir="2700000" algn="tl">
+                  <a:srgbClr val="000000">
+                    <a:alpha val="43137"/>
+                  </a:srgbClr>
+                </a:outerShdw>
+              </a:effectLst>
+              <a:latin typeface="+mn-lt"/>
+            </a:rPr>
+            <a:t>RISK</a:t>
+          </a:r>
+          <a:endParaRPr lang="en-US" sz="2400" b="1" kern="1200" dirty="0">
+            <a:effectLst/>
+          </a:endParaRPr>
+        </a:p>
+      </dsp:txBody>
+      <dsp:txXfrm>
+        <a:off x="2911243" y="30484"/>
+        <a:ext cx="1866762" cy="979742"/>
+      </dsp:txXfrm>
+    </dsp:sp>
+    <dsp:sp modelId="{8C189926-90C4-40DE-80B4-F750B834D5AB}">
+      <dsp:nvSpPr>
+        <dsp:cNvPr id="0" name=""/>
+        <dsp:cNvSpPr/>
+      </dsp:nvSpPr>
+      <dsp:spPr>
+        <a:xfrm>
+          <a:off x="2076178" y="1040707"/>
+          <a:ext cx="1768445" cy="585384"/>
+        </a:xfrm>
+        <a:custGeom>
+          <a:avLst/>
+          <a:gdLst/>
+          <a:ahLst/>
+          <a:cxnLst/>
+          <a:rect l="0" t="0" r="0" b="0"/>
+          <a:pathLst>
+            <a:path>
+              <a:moveTo>
+                <a:pt x="1768445" y="0"/>
+              </a:moveTo>
+              <a:lnTo>
+                <a:pt x="1768445" y="292692"/>
+              </a:lnTo>
+              <a:lnTo>
+                <a:pt x="0" y="292692"/>
+              </a:lnTo>
+              <a:lnTo>
+                <a:pt x="0" y="585384"/>
+              </a:lnTo>
+            </a:path>
+          </a:pathLst>
+        </a:custGeom>
+        <a:noFill/>
+        <a:ln w="25400" cap="flat" cmpd="sng" algn="ctr">
+          <a:solidFill>
+            <a:schemeClr val="accent5">
+              <a:lumMod val="40000"/>
+              <a:lumOff val="60000"/>
+            </a:schemeClr>
+          </a:solidFill>
+          <a:prstDash val="solid"/>
+          <a:tailEnd type="arrow"/>
+        </a:ln>
+        <a:effectLst/>
+      </dsp:spPr>
+      <dsp:style>
+        <a:lnRef idx="2">
+          <a:scrgbClr r="0" g="0" b="0"/>
+        </a:lnRef>
+        <a:fillRef idx="0">
+          <a:scrgbClr r="0" g="0" b="0"/>
+        </a:fillRef>
+        <a:effectRef idx="0">
+          <a:scrgbClr r="0" g="0" b="0"/>
+        </a:effectRef>
+        <a:fontRef idx="minor"/>
+      </dsp:style>
+    </dsp:sp>
+    <dsp:sp modelId="{B2864B51-2732-47F6-93F6-6B6017E4CD04}">
+      <dsp:nvSpPr>
+        <dsp:cNvPr id="0" name=""/>
+        <dsp:cNvSpPr/>
+      </dsp:nvSpPr>
+      <dsp:spPr>
+        <a:xfrm>
+          <a:off x="685812" y="1626092"/>
+          <a:ext cx="2780733" cy="1123408"/>
+        </a:xfrm>
+        <a:prstGeom prst="roundRect">
+          <a:avLst>
+            <a:gd name="adj" fmla="val 10000"/>
+          </a:avLst>
+        </a:prstGeom>
+        <a:gradFill flip="none" rotWithShape="1">
+          <a:gsLst>
+            <a:gs pos="0">
+              <a:schemeClr val="accent5">
+                <a:lumMod val="20000"/>
+                <a:lumOff val="80000"/>
+              </a:schemeClr>
+            </a:gs>
+            <a:gs pos="39999">
+              <a:schemeClr val="tx2">
+                <a:lumMod val="60000"/>
+                <a:lumOff val="40000"/>
+              </a:schemeClr>
+            </a:gs>
+            <a:gs pos="100000">
+              <a:schemeClr val="tx2">
+                <a:lumMod val="75000"/>
+              </a:schemeClr>
+            </a:gs>
+          </a:gsLst>
+          <a:lin ang="4800000" scaled="0"/>
+          <a:tileRect/>
+        </a:gradFill>
+        <a:ln w="25400" cap="flat" cmpd="sng" algn="ctr">
+          <a:noFill/>
+          <a:prstDash val="solid"/>
+        </a:ln>
+        <a:effectLst>
+          <a:outerShdw blurRad="50800" dist="38100" dir="2700000" algn="tl" rotWithShape="0">
+            <a:schemeClr val="bg2">
+              <a:lumMod val="60000"/>
+              <a:lumOff val="40000"/>
+              <a:alpha val="40000"/>
+            </a:schemeClr>
+          </a:outerShdw>
+        </a:effectLst>
+        <a:scene3d>
+          <a:camera prst="orthographicFront"/>
+          <a:lightRig rig="threePt" dir="t"/>
+        </a:scene3d>
+        <a:sp3d extrusionH="76200" contourW="12700">
+          <a:bevelT/>
+          <a:extrusionClr>
+            <a:schemeClr val="accent5">
+              <a:lumMod val="20000"/>
+              <a:lumOff val="80000"/>
+            </a:schemeClr>
+          </a:extrusionClr>
+          <a:contourClr>
+            <a:schemeClr val="bg2">
+              <a:lumMod val="40000"/>
+              <a:lumOff val="60000"/>
+            </a:schemeClr>
+          </a:contourClr>
+        </a:sp3d>
+      </dsp:spPr>
+      <dsp:style>
+        <a:lnRef idx="2">
+          <a:scrgbClr r="0" g="0" b="0"/>
+        </a:lnRef>
+        <a:fillRef idx="1">
+          <a:scrgbClr r="0" g="0" b="0"/>
+        </a:fillRef>
+        <a:effectRef idx="0">
+          <a:scrgbClr r="0" g="0" b="0"/>
+        </a:effectRef>
+        <a:fontRef idx="minor">
+          <a:schemeClr val="lt1"/>
+        </a:fontRef>
+      </dsp:style>
+      <dsp:txBody>
+        <a:bodyPr spcFirstLastPara="0" vert="horz" wrap="square" lIns="91440" tIns="91440" rIns="91440" bIns="91440" numCol="1" spcCol="1270" anchor="ctr" anchorCtr="0">
+          <a:noAutofit/>
+        </a:bodyPr>
+        <a:lstStyle/>
+        <a:p>
+          <a:pPr lvl="0" algn="ctr" defTabSz="1066800">
+            <a:lnSpc>
+              <a:spcPct val="90000"/>
+            </a:lnSpc>
+            <a:spcBef>
+              <a:spcPct val="0"/>
+            </a:spcBef>
+            <a:spcAft>
+              <a:spcPct val="35000"/>
+            </a:spcAft>
+          </a:pPr>
+          <a:r>
+            <a:rPr lang="en-US" sz="2400" b="1" kern="1200" dirty="0" smtClean="0">
+              <a:solidFill>
+                <a:schemeClr val="bg1"/>
+              </a:solidFill>
+              <a:effectLst>
+                <a:outerShdw blurRad="38100" dist="38100" dir="2700000" algn="tl">
+                  <a:srgbClr val="000000">
+                    <a:alpha val="43137"/>
+                  </a:srgbClr>
+                </a:outerShdw>
+              </a:effectLst>
+              <a:latin typeface="+mn-lt"/>
+            </a:rPr>
+            <a:t>Impact</a:t>
+          </a:r>
+        </a:p>
+        <a:p>
+          <a:pPr lvl="0" algn="ctr" defTabSz="1066800">
+            <a:lnSpc>
+              <a:spcPct val="90000"/>
+            </a:lnSpc>
+            <a:spcBef>
+              <a:spcPct val="0"/>
+            </a:spcBef>
+            <a:spcAft>
+              <a:spcPct val="35000"/>
+            </a:spcAft>
+          </a:pPr>
+          <a:r>
+            <a:rPr lang="en-US" sz="2000" b="1" kern="1200" dirty="0" smtClean="0">
+              <a:solidFill>
+                <a:schemeClr val="bg1"/>
+              </a:solidFill>
+              <a:effectLst>
+                <a:outerShdw blurRad="38100" dist="38100" dir="2700000" algn="tl">
+                  <a:srgbClr val="000000">
+                    <a:alpha val="43137"/>
+                  </a:srgbClr>
+                </a:outerShdw>
+              </a:effectLst>
+              <a:latin typeface="+mn-lt"/>
+            </a:rPr>
+            <a:t>(damage)</a:t>
+          </a:r>
+          <a:endParaRPr lang="en-US" sz="2000" b="1" kern="1200" dirty="0">
+            <a:solidFill>
+              <a:schemeClr val="bg1"/>
+            </a:solidFill>
+            <a:effectLst/>
+          </a:endParaRPr>
+        </a:p>
+      </dsp:txBody>
+      <dsp:txXfrm>
+        <a:off x="718715" y="1658995"/>
+        <a:ext cx="2714927" cy="1057602"/>
+      </dsp:txXfrm>
+    </dsp:sp>
+    <dsp:sp modelId="{BDE6DA58-AEBC-4A80-8FCB-D9B6527E903D}">
+      <dsp:nvSpPr>
+        <dsp:cNvPr id="0" name=""/>
+        <dsp:cNvSpPr/>
+      </dsp:nvSpPr>
+      <dsp:spPr>
+        <a:xfrm>
+          <a:off x="3844624" y="1040707"/>
+          <a:ext cx="1749828" cy="585384"/>
+        </a:xfrm>
+        <a:custGeom>
+          <a:avLst/>
+          <a:gdLst/>
+          <a:ahLst/>
+          <a:cxnLst/>
+          <a:rect l="0" t="0" r="0" b="0"/>
+          <a:pathLst>
+            <a:path>
+              <a:moveTo>
+                <a:pt x="0" y="0"/>
+              </a:moveTo>
+              <a:lnTo>
+                <a:pt x="0" y="292692"/>
+              </a:lnTo>
+              <a:lnTo>
+                <a:pt x="1749828" y="292692"/>
+              </a:lnTo>
+              <a:lnTo>
+                <a:pt x="1749828" y="585384"/>
+              </a:lnTo>
+            </a:path>
+          </a:pathLst>
+        </a:custGeom>
+        <a:noFill/>
+        <a:ln w="25400" cap="flat" cmpd="sng" algn="ctr">
+          <a:solidFill>
+            <a:schemeClr val="accent5">
+              <a:lumMod val="40000"/>
+              <a:lumOff val="60000"/>
+            </a:schemeClr>
+          </a:solidFill>
+          <a:prstDash val="solid"/>
+          <a:tailEnd type="arrow" w="med" len="med"/>
+        </a:ln>
+        <a:effectLst/>
+      </dsp:spPr>
+      <dsp:style>
+        <a:lnRef idx="2">
+          <a:scrgbClr r="0" g="0" b="0"/>
+        </a:lnRef>
+        <a:fillRef idx="0">
+          <a:scrgbClr r="0" g="0" b="0"/>
+        </a:fillRef>
+        <a:effectRef idx="0">
+          <a:scrgbClr r="0" g="0" b="0"/>
+        </a:effectRef>
+        <a:fontRef idx="minor"/>
+      </dsp:style>
+    </dsp:sp>
+    <dsp:sp modelId="{5110B8E5-A185-454B-AEE8-D0651DD3B7AE}">
+      <dsp:nvSpPr>
+        <dsp:cNvPr id="0" name=""/>
+        <dsp:cNvSpPr/>
+      </dsp:nvSpPr>
+      <dsp:spPr>
+        <a:xfrm>
+          <a:off x="4119388" y="1626092"/>
+          <a:ext cx="2950127" cy="1124512"/>
+        </a:xfrm>
+        <a:prstGeom prst="roundRect">
+          <a:avLst>
+            <a:gd name="adj" fmla="val 10000"/>
+          </a:avLst>
+        </a:prstGeom>
+        <a:gradFill flip="none" rotWithShape="1">
+          <a:gsLst>
+            <a:gs pos="0">
+              <a:schemeClr val="accent5">
+                <a:lumMod val="20000"/>
+                <a:lumOff val="80000"/>
+              </a:schemeClr>
+            </a:gs>
+            <a:gs pos="39999">
+              <a:schemeClr val="tx2">
+                <a:lumMod val="60000"/>
+                <a:lumOff val="40000"/>
+              </a:schemeClr>
+            </a:gs>
+            <a:gs pos="100000">
+              <a:schemeClr val="tx2">
+                <a:lumMod val="75000"/>
+              </a:schemeClr>
+            </a:gs>
+          </a:gsLst>
+          <a:lin ang="4800000" scaled="0"/>
+          <a:tileRect/>
+        </a:gradFill>
+        <a:ln w="25400" cap="flat" cmpd="sng" algn="ctr">
+          <a:noFill/>
+          <a:prstDash val="solid"/>
+        </a:ln>
+        <a:effectLst>
+          <a:outerShdw blurRad="50800" dist="38100" dir="2700000" algn="tl" rotWithShape="0">
+            <a:schemeClr val="bg2">
+              <a:lumMod val="60000"/>
+              <a:lumOff val="40000"/>
+              <a:alpha val="40000"/>
+            </a:schemeClr>
+          </a:outerShdw>
+        </a:effectLst>
+        <a:scene3d>
+          <a:camera prst="orthographicFront"/>
+          <a:lightRig rig="threePt" dir="t"/>
+        </a:scene3d>
+        <a:sp3d extrusionH="76200" contourW="12700">
+          <a:bevelT/>
+          <a:extrusionClr>
+            <a:schemeClr val="accent5">
+              <a:lumMod val="20000"/>
+              <a:lumOff val="80000"/>
+            </a:schemeClr>
+          </a:extrusionClr>
+          <a:contourClr>
+            <a:schemeClr val="bg2">
+              <a:lumMod val="40000"/>
+              <a:lumOff val="60000"/>
+            </a:schemeClr>
+          </a:contourClr>
+        </a:sp3d>
+      </dsp:spPr>
+      <dsp:style>
+        <a:lnRef idx="2">
+          <a:scrgbClr r="0" g="0" b="0"/>
+        </a:lnRef>
+        <a:fillRef idx="1">
+          <a:scrgbClr r="0" g="0" b="0"/>
+        </a:fillRef>
+        <a:effectRef idx="0">
+          <a:scrgbClr r="0" g="0" b="0"/>
+        </a:effectRef>
+        <a:fontRef idx="minor">
+          <a:schemeClr val="lt1"/>
+        </a:fontRef>
+      </dsp:style>
+      <dsp:txBody>
+        <a:bodyPr spcFirstLastPara="0" vert="horz" wrap="square" lIns="91440" tIns="91440" rIns="91440" bIns="91440" numCol="1" spcCol="1270" anchor="ctr" anchorCtr="0">
+          <a:noAutofit/>
+        </a:bodyPr>
+        <a:lstStyle/>
+        <a:p>
+          <a:pPr lvl="0" algn="ctr" defTabSz="1066800">
+            <a:lnSpc>
+              <a:spcPct val="90000"/>
+            </a:lnSpc>
+            <a:spcBef>
+              <a:spcPct val="0"/>
+            </a:spcBef>
+            <a:spcAft>
+              <a:spcPct val="35000"/>
+            </a:spcAft>
+          </a:pPr>
+          <a:r>
+            <a:rPr lang="en-US" sz="2400" b="1" kern="1200" dirty="0" smtClean="0">
+              <a:solidFill>
+                <a:schemeClr val="bg1"/>
+              </a:solidFill>
+              <a:effectLst>
+                <a:outerShdw blurRad="38100" dist="38100" dir="2700000" algn="tl">
+                  <a:srgbClr val="000000">
+                    <a:alpha val="43137"/>
+                  </a:srgbClr>
+                </a:outerShdw>
+              </a:effectLst>
+              <a:latin typeface="+mn-lt"/>
+            </a:rPr>
+            <a:t>Likelihood</a:t>
+          </a:r>
+        </a:p>
+        <a:p>
+          <a:pPr lvl="0" algn="ctr" defTabSz="1066800">
+            <a:lnSpc>
+              <a:spcPct val="90000"/>
+            </a:lnSpc>
+            <a:spcBef>
+              <a:spcPct val="0"/>
+            </a:spcBef>
+            <a:spcAft>
+              <a:spcPct val="35000"/>
+            </a:spcAft>
+          </a:pPr>
+          <a:r>
+            <a:rPr lang="en-US" sz="2000" b="1" kern="1200" dirty="0" smtClean="0">
+              <a:solidFill>
+                <a:schemeClr val="bg1"/>
+              </a:solidFill>
+              <a:effectLst>
+                <a:outerShdw blurRad="38100" dist="38100" dir="2700000" algn="tl">
+                  <a:srgbClr val="000000">
+                    <a:alpha val="43137"/>
+                  </a:srgbClr>
+                </a:outerShdw>
+              </a:effectLst>
+              <a:latin typeface="+mn-lt"/>
+            </a:rPr>
+            <a:t>(Probability of failure)</a:t>
+          </a:r>
+          <a:endParaRPr lang="en-US" sz="2000" b="1" kern="1200" dirty="0">
+            <a:solidFill>
+              <a:schemeClr val="bg1"/>
+            </a:solidFill>
+            <a:effectLst/>
+          </a:endParaRPr>
+        </a:p>
+      </dsp:txBody>
+      <dsp:txXfrm>
+        <a:off x="4152324" y="1659028"/>
+        <a:ext cx="2884255" cy="1058640"/>
+      </dsp:txXfrm>
+    </dsp:sp>
+    <dsp:sp modelId="{F735C6F8-BAB9-4F07-BF34-F4972BABFD0A}">
+      <dsp:nvSpPr>
+        <dsp:cNvPr id="0" name=""/>
+        <dsp:cNvSpPr/>
+      </dsp:nvSpPr>
+      <dsp:spPr>
+        <a:xfrm>
+          <a:off x="4163879" y="2750605"/>
+          <a:ext cx="1430573" cy="992834"/>
+        </a:xfrm>
+        <a:custGeom>
+          <a:avLst/>
+          <a:gdLst/>
+          <a:ahLst/>
+          <a:cxnLst/>
+          <a:rect l="0" t="0" r="0" b="0"/>
+          <a:pathLst>
+            <a:path>
+              <a:moveTo>
+                <a:pt x="1430573" y="0"/>
+              </a:moveTo>
+              <a:lnTo>
+                <a:pt x="1430573" y="496417"/>
+              </a:lnTo>
+              <a:lnTo>
+                <a:pt x="0" y="496417"/>
+              </a:lnTo>
+              <a:lnTo>
+                <a:pt x="0" y="992834"/>
+              </a:lnTo>
+            </a:path>
+          </a:pathLst>
+        </a:custGeom>
+        <a:noFill/>
+        <a:ln w="25400" cap="flat" cmpd="sng" algn="ctr">
+          <a:solidFill>
+            <a:schemeClr val="accent5">
+              <a:lumMod val="40000"/>
+              <a:lumOff val="60000"/>
+            </a:schemeClr>
+          </a:solidFill>
+          <a:prstDash val="solid"/>
+          <a:tailEnd type="arrow"/>
+        </a:ln>
+        <a:effectLst/>
+      </dsp:spPr>
+      <dsp:style>
+        <a:lnRef idx="2">
+          <a:scrgbClr r="0" g="0" b="0"/>
+        </a:lnRef>
+        <a:fillRef idx="0">
+          <a:scrgbClr r="0" g="0" b="0"/>
+        </a:fillRef>
+        <a:effectRef idx="0">
+          <a:scrgbClr r="0" g="0" b="0"/>
+        </a:effectRef>
+        <a:fontRef idx="minor"/>
+      </dsp:style>
+    </dsp:sp>
+    <dsp:sp modelId="{80F768E8-1B36-41A4-BA33-C5C237367E36}">
+      <dsp:nvSpPr>
+        <dsp:cNvPr id="0" name=""/>
+        <dsp:cNvSpPr/>
+      </dsp:nvSpPr>
+      <dsp:spPr>
+        <a:xfrm>
+          <a:off x="3164572" y="3743439"/>
+          <a:ext cx="1998613" cy="1266946"/>
+        </a:xfrm>
+        <a:prstGeom prst="roundRect">
+          <a:avLst>
+            <a:gd name="adj" fmla="val 10000"/>
+          </a:avLst>
+        </a:prstGeom>
+        <a:solidFill>
+          <a:schemeClr val="lt1">
+            <a:hueOff val="0"/>
+            <a:satOff val="0"/>
+            <a:lumOff val="0"/>
+            <a:alphaOff val="0"/>
+          </a:schemeClr>
+        </a:solidFill>
+        <a:ln w="25400" cap="flat" cmpd="sng" algn="ctr">
+          <a:solidFill>
+            <a:schemeClr val="accent6">
+              <a:shade val="80000"/>
+              <a:hueOff val="0"/>
+              <a:satOff val="0"/>
+              <a:lumOff val="0"/>
+              <a:alphaOff val="0"/>
+            </a:schemeClr>
+          </a:solidFill>
+          <a:prstDash val="solid"/>
+        </a:ln>
+        <a:effectLst/>
+      </dsp:spPr>
+      <dsp:style>
+        <a:lnRef idx="2">
+          <a:scrgbClr r="0" g="0" b="0"/>
+        </a:lnRef>
+        <a:fillRef idx="1">
+          <a:scrgbClr r="0" g="0" b="0"/>
+        </a:fillRef>
+        <a:effectRef idx="0">
+          <a:scrgbClr r="0" g="0" b="0"/>
+        </a:effectRef>
+        <a:fontRef idx="minor">
+          <a:schemeClr val="lt1"/>
+        </a:fontRef>
+      </dsp:style>
+      <dsp:txBody>
+        <a:bodyPr spcFirstLastPara="0" vert="horz" wrap="square" lIns="91440" tIns="91440" rIns="91440" bIns="91440" numCol="1" spcCol="1270" anchor="ctr" anchorCtr="0">
+          <a:noAutofit/>
+        </a:bodyPr>
+        <a:lstStyle/>
+        <a:p>
+          <a:pPr lvl="0" algn="ctr" defTabSz="1066800">
+            <a:lnSpc>
+              <a:spcPct val="90000"/>
+            </a:lnSpc>
+            <a:spcBef>
+              <a:spcPct val="0"/>
+            </a:spcBef>
+            <a:spcAft>
+              <a:spcPct val="35000"/>
+            </a:spcAft>
+          </a:pPr>
+          <a:r>
+            <a:rPr lang="en-US" sz="2400" b="1" kern="1200" dirty="0" smtClean="0">
+              <a:solidFill>
+                <a:schemeClr val="bg1"/>
+              </a:solidFill>
+              <a:effectLst>
+                <a:outerShdw blurRad="38100" dist="38100" dir="2700000" algn="tl">
+                  <a:srgbClr val="000000">
+                    <a:alpha val="43137"/>
+                  </a:srgbClr>
+                </a:outerShdw>
+              </a:effectLst>
+              <a:latin typeface="+mn-lt"/>
+            </a:rPr>
+            <a:t>Use frequency</a:t>
+          </a:r>
+          <a:endParaRPr lang="en-US" sz="2400" kern="1200" dirty="0">
+            <a:solidFill>
+              <a:schemeClr val="bg1"/>
+            </a:solidFill>
+          </a:endParaRPr>
+        </a:p>
+      </dsp:txBody>
+      <dsp:txXfrm>
+        <a:off x="3201680" y="3780547"/>
+        <a:ext cx="1924397" cy="1192730"/>
+      </dsp:txXfrm>
+    </dsp:sp>
+    <dsp:sp modelId="{99E1A197-FC0E-4E23-A19B-88F3DC276C41}">
+      <dsp:nvSpPr>
+        <dsp:cNvPr id="0" name=""/>
+        <dsp:cNvSpPr/>
+      </dsp:nvSpPr>
+      <dsp:spPr>
+        <a:xfrm>
+          <a:off x="5594452" y="2750605"/>
+          <a:ext cx="1396231" cy="992834"/>
+        </a:xfrm>
+        <a:custGeom>
+          <a:avLst/>
+          <a:gdLst/>
+          <a:ahLst/>
+          <a:cxnLst/>
+          <a:rect l="0" t="0" r="0" b="0"/>
+          <a:pathLst>
+            <a:path>
+              <a:moveTo>
+                <a:pt x="0" y="0"/>
+              </a:moveTo>
+              <a:lnTo>
+                <a:pt x="0" y="496417"/>
+              </a:lnTo>
+              <a:lnTo>
+                <a:pt x="1396231" y="496417"/>
+              </a:lnTo>
+              <a:lnTo>
+                <a:pt x="1396231" y="992834"/>
+              </a:lnTo>
+            </a:path>
+          </a:pathLst>
+        </a:custGeom>
+        <a:noFill/>
+        <a:ln w="25400" cap="flat" cmpd="sng" algn="ctr">
+          <a:solidFill>
+            <a:schemeClr val="accent5">
+              <a:lumMod val="40000"/>
+              <a:lumOff val="60000"/>
+            </a:schemeClr>
+          </a:solidFill>
+          <a:prstDash val="solid"/>
+          <a:tailEnd type="arrow"/>
+        </a:ln>
+        <a:effectLst/>
+      </dsp:spPr>
+      <dsp:style>
+        <a:lnRef idx="1">
+          <a:schemeClr val="accent4"/>
+        </a:lnRef>
+        <a:fillRef idx="0">
+          <a:schemeClr val="accent4"/>
+        </a:fillRef>
+        <a:effectRef idx="0">
+          <a:schemeClr val="accent4"/>
+        </a:effectRef>
+        <a:fontRef idx="minor">
+          <a:schemeClr val="tx1"/>
+        </a:fontRef>
+      </dsp:style>
+    </dsp:sp>
+    <dsp:sp modelId="{17149683-C5C9-445F-B01B-FDDDCF07A6F2}">
+      <dsp:nvSpPr>
+        <dsp:cNvPr id="0" name=""/>
+        <dsp:cNvSpPr/>
+      </dsp:nvSpPr>
+      <dsp:spPr>
+        <a:xfrm>
+          <a:off x="5991377" y="3743439"/>
+          <a:ext cx="1998613" cy="1266946"/>
+        </a:xfrm>
+        <a:prstGeom prst="roundRect">
+          <a:avLst>
+            <a:gd name="adj" fmla="val 10000"/>
+          </a:avLst>
+        </a:prstGeom>
+        <a:solidFill>
+          <a:schemeClr val="lt1">
+            <a:hueOff val="0"/>
+            <a:satOff val="0"/>
+            <a:lumOff val="0"/>
+            <a:alphaOff val="0"/>
+          </a:schemeClr>
+        </a:solidFill>
+        <a:ln w="25400" cap="flat" cmpd="sng" algn="ctr">
+          <a:solidFill>
+            <a:schemeClr val="accent6">
+              <a:shade val="80000"/>
+              <a:hueOff val="0"/>
+              <a:satOff val="0"/>
+              <a:lumOff val="0"/>
+              <a:alphaOff val="0"/>
+            </a:schemeClr>
+          </a:solidFill>
+          <a:prstDash val="solid"/>
+        </a:ln>
+        <a:effectLst/>
+      </dsp:spPr>
+      <dsp:style>
+        <a:lnRef idx="2">
+          <a:scrgbClr r="0" g="0" b="0"/>
+        </a:lnRef>
+        <a:fillRef idx="1">
+          <a:scrgbClr r="0" g="0" b="0"/>
+        </a:fillRef>
+        <a:effectRef idx="0">
+          <a:scrgbClr r="0" g="0" b="0"/>
+        </a:effectRef>
+        <a:fontRef idx="minor">
+          <a:schemeClr val="lt1"/>
+        </a:fontRef>
+      </dsp:style>
+      <dsp:txBody>
+        <a:bodyPr spcFirstLastPara="0" vert="horz" wrap="square" lIns="91440" tIns="91440" rIns="91440" bIns="91440" numCol="1" spcCol="1270" anchor="ctr" anchorCtr="0">
+          <a:noAutofit/>
+        </a:bodyPr>
+        <a:lstStyle/>
+        <a:p>
+          <a:pPr lvl="0" algn="ctr" defTabSz="1066800">
+            <a:lnSpc>
+              <a:spcPct val="90000"/>
+            </a:lnSpc>
+            <a:spcBef>
+              <a:spcPct val="0"/>
+            </a:spcBef>
+            <a:spcAft>
+              <a:spcPct val="35000"/>
+            </a:spcAft>
+          </a:pPr>
+          <a:r>
+            <a:rPr lang="en-US" sz="2400" b="1" kern="1200" dirty="0" smtClean="0">
+              <a:solidFill>
+                <a:schemeClr val="bg1"/>
+              </a:solidFill>
+              <a:effectLst>
+                <a:outerShdw blurRad="38100" dist="38100" dir="2700000" algn="tl">
+                  <a:srgbClr val="000000">
+                    <a:alpha val="43137"/>
+                  </a:srgbClr>
+                </a:outerShdw>
+              </a:effectLst>
+              <a:latin typeface="+mn-lt"/>
+            </a:rPr>
+            <a:t>Lack of quality</a:t>
+          </a:r>
+          <a:endParaRPr lang="en-US" sz="2400" kern="1200" dirty="0">
+            <a:solidFill>
+              <a:schemeClr val="bg1"/>
+            </a:solidFill>
+          </a:endParaRPr>
+        </a:p>
+      </dsp:txBody>
+      <dsp:txXfrm>
+        <a:off x="6028485" y="3780547"/>
+        <a:ext cx="1924397" cy="1192730"/>
+      </dsp:txXfrm>
+    </dsp:sp>
   </dsp:spTree>
 </dsp:drawing>
 </file>
@@ -12857,283 +13734,6 @@
 </file>
 
 <file path=ppt/slides/slide23.xml><?xml version="1.0" encoding="utf-8"?>
-<p:sld xmlns:a="http://schemas.openxmlformats.org/drawingml/2006/main" xmlns:r="http://schemas.openxmlformats.org/officeDocument/2006/relationships" xmlns:p="http://schemas.openxmlformats.org/presentationml/2006/main" show="0">
-  <p:cSld>
-    <p:spTree>
-      <p:nvGrpSpPr>
-        <p:cNvPr id="1" name=""/>
-        <p:cNvGrpSpPr/>
-        <p:nvPr/>
-      </p:nvGrpSpPr>
-      <p:grpSpPr>
-        <a:xfrm>
-          <a:off x="0" y="0"/>
-          <a:ext cx="0" cy="0"/>
-          <a:chOff x="0" y="0"/>
-          <a:chExt cx="0" cy="0"/>
-        </a:xfrm>
-      </p:grpSpPr>
-      <p:sp>
-        <p:nvSpPr>
-          <p:cNvPr id="2" name="Title 1"/>
-          <p:cNvSpPr>
-            <a:spLocks noGrp="1"/>
-          </p:cNvSpPr>
-          <p:nvPr>
-            <p:ph type="title"/>
-          </p:nvPr>
-        </p:nvSpPr>
-        <p:spPr/>
-        <p:txBody>
-          <a:bodyPr/>
-          <a:lstStyle/>
-          <a:p>
-            <a:r>
-              <a:rPr lang="en-US" dirty="0" smtClean="0"/>
-              <a:t>Downstream vs. Upstream</a:t>
-            </a:r>
-            <a:endParaRPr lang="en-US" dirty="0"/>
-          </a:p>
-        </p:txBody>
-      </p:sp>
-      <p:sp>
-        <p:nvSpPr>
-          <p:cNvPr id="3" name="Content Placeholder 2"/>
-          <p:cNvSpPr>
-            <a:spLocks noGrp="1"/>
-          </p:cNvSpPr>
-          <p:nvPr>
-            <p:ph idx="1"/>
-          </p:nvPr>
-        </p:nvSpPr>
-        <p:spPr/>
-        <p:txBody>
-          <a:bodyPr/>
-          <a:lstStyle/>
-          <a:p>
-            <a:r>
-              <a:rPr lang="en-US" dirty="0"/>
-              <a:t>Risk </a:t>
-            </a:r>
-            <a:r>
-              <a:rPr lang="en-US" dirty="0" smtClean="0"/>
-              <a:t>identification </a:t>
-            </a:r>
-            <a:r>
-              <a:rPr lang="en-US" dirty="0"/>
-              <a:t>t</a:t>
-            </a:r>
-            <a:r>
-              <a:rPr lang="en-US" dirty="0" smtClean="0"/>
-              <a:t>echniques can look in two directions:</a:t>
-            </a:r>
-          </a:p>
-          <a:p>
-            <a:pPr lvl="1"/>
-            <a:r>
-              <a:rPr lang="en-US" dirty="0" smtClean="0"/>
-              <a:t>"</a:t>
-            </a:r>
-            <a:r>
-              <a:rPr lang="en-US" dirty="0" smtClean="0">
-                <a:solidFill>
-                  <a:schemeClr val="accent5">
-                    <a:lumMod val="20000"/>
-                    <a:lumOff val="80000"/>
-                  </a:schemeClr>
-                </a:solidFill>
-              </a:rPr>
-              <a:t>Downstream</a:t>
-            </a:r>
-            <a:r>
-              <a:rPr lang="en-US" dirty="0" smtClean="0"/>
-              <a:t>"</a:t>
-            </a:r>
-          </a:p>
-          <a:p>
-            <a:pPr lvl="2"/>
-            <a:r>
-              <a:rPr lang="en-US" dirty="0" smtClean="0"/>
-              <a:t>Identify </a:t>
-            </a:r>
-            <a:r>
-              <a:rPr lang="en-US" dirty="0"/>
-              <a:t>potential </a:t>
-            </a:r>
-            <a:r>
-              <a:rPr lang="en-US" dirty="0">
-                <a:solidFill>
-                  <a:schemeClr val="accent5">
-                    <a:lumMod val="20000"/>
-                    <a:lumOff val="80000"/>
-                  </a:schemeClr>
-                </a:solidFill>
-              </a:rPr>
-              <a:t>effects</a:t>
-            </a:r>
-            <a:r>
-              <a:rPr lang="en-US" dirty="0"/>
-              <a:t> of the risk item if it </a:t>
-            </a:r>
-            <a:r>
-              <a:rPr lang="en-US" dirty="0" smtClean="0"/>
-              <a:t>becomes an </a:t>
-            </a:r>
-            <a:r>
-              <a:rPr lang="en-US" dirty="0"/>
-              <a:t>actual negative outcome</a:t>
-            </a:r>
-            <a:endParaRPr lang="en-US" dirty="0" smtClean="0"/>
-          </a:p>
-          <a:p>
-            <a:pPr lvl="1"/>
-            <a:r>
-              <a:rPr lang="en-US" dirty="0" smtClean="0"/>
-              <a:t>"</a:t>
-            </a:r>
-            <a:r>
-              <a:rPr lang="en-US" dirty="0" smtClean="0">
-                <a:solidFill>
-                  <a:schemeClr val="accent5">
-                    <a:lumMod val="20000"/>
-                    <a:lumOff val="80000"/>
-                  </a:schemeClr>
-                </a:solidFill>
-              </a:rPr>
-              <a:t>Upstream</a:t>
-            </a:r>
-            <a:r>
-              <a:rPr lang="en-US" dirty="0" smtClean="0"/>
-              <a:t>"</a:t>
-            </a:r>
-          </a:p>
-          <a:p>
-            <a:pPr lvl="2"/>
-            <a:r>
-              <a:rPr lang="en-US" dirty="0" smtClean="0"/>
-              <a:t>Identify </a:t>
-            </a:r>
-            <a:r>
-              <a:rPr lang="en-US" dirty="0"/>
-              <a:t>the </a:t>
-            </a:r>
-            <a:r>
-              <a:rPr lang="en-US" dirty="0">
-                <a:solidFill>
-                  <a:schemeClr val="accent5">
-                    <a:lumMod val="20000"/>
-                    <a:lumOff val="80000"/>
-                  </a:schemeClr>
-                </a:solidFill>
-              </a:rPr>
-              <a:t>source</a:t>
-            </a:r>
-            <a:r>
-              <a:rPr lang="en-US" dirty="0"/>
-              <a:t> of the risk</a:t>
-            </a:r>
-          </a:p>
-        </p:txBody>
-      </p:sp>
-      <p:sp>
-        <p:nvSpPr>
-          <p:cNvPr id="4" name="Slide Number Placeholder 3"/>
-          <p:cNvSpPr>
-            <a:spLocks noGrp="1"/>
-          </p:cNvSpPr>
-          <p:nvPr>
-            <p:ph type="sldNum" sz="quarter" idx="10"/>
-          </p:nvPr>
-        </p:nvSpPr>
-        <p:spPr/>
-        <p:txBody>
-          <a:bodyPr/>
-          <a:lstStyle/>
-          <a:p>
-            <a:pPr>
-              <a:defRPr/>
-            </a:pPr>
-            <a:fld id="{58452FF4-89E3-4D1B-9927-2DBDC00E58D7}" type="slidenum">
-              <a:rPr lang="en-US" smtClean="0"/>
-              <a:pPr>
-                <a:defRPr/>
-              </a:pPr>
-              <a:t>23</a:t>
-            </a:fld>
-            <a:endParaRPr lang="en-US" dirty="0"/>
-          </a:p>
-        </p:txBody>
-      </p:sp>
-      <p:pic>
-        <p:nvPicPr>
-          <p:cNvPr id="13314" name="Picture 2" descr="http://buystock.justfinance.net/wp-content/plugins/wpshapeshiftr/images/free-clipart-star.png"/>
-          <p:cNvPicPr>
-            <a:picLocks noChangeAspect="1" noChangeArrowheads="1"/>
-          </p:cNvPicPr>
-          <p:nvPr/>
-        </p:nvPicPr>
-        <p:blipFill>
-          <a:blip r:embed="rId2" cstate="print">
-            <a:extLst>
-              <a:ext uri="{28A0092B-C50C-407E-A947-70E740481C1C}">
-                <a14:useLocalDpi xmlns:a14="http://schemas.microsoft.com/office/drawing/2010/main" val="0"/>
-              </a:ext>
-            </a:extLst>
-          </a:blip>
-          <a:srcRect/>
-          <a:stretch>
-            <a:fillRect/>
-          </a:stretch>
-        </p:blipFill>
-        <p:spPr bwMode="auto">
-          <a:xfrm>
-            <a:off x="7086600" y="4800600"/>
-            <a:ext cx="1613816" cy="1619250"/>
-          </a:xfrm>
-          <a:prstGeom prst="rect">
-            <a:avLst/>
-          </a:prstGeom>
-          <a:noFill/>
-          <a:effectLst>
-            <a:glow rad="101600">
-              <a:schemeClr val="tx1">
-                <a:alpha val="40000"/>
-              </a:schemeClr>
-            </a:glow>
-          </a:effectLst>
-          <a:extLst>
-            <a:ext uri="{909E8E84-426E-40DD-AFC4-6F175D3DCCD1}">
-              <a14:hiddenFill xmlns:a14="http://schemas.microsoft.com/office/drawing/2010/main">
-                <a:solidFill>
-                  <a:srgbClr val="FFFFFF"/>
-                </a:solidFill>
-              </a14:hiddenFill>
-            </a:ext>
-          </a:extLst>
-        </p:spPr>
-      </p:pic>
-    </p:spTree>
-    <p:extLst>
-      <p:ext uri="{BB962C8B-B14F-4D97-AF65-F5344CB8AC3E}">
-        <p14:creationId xmlns:p14="http://schemas.microsoft.com/office/powerpoint/2010/main" val="1202834806"/>
-      </p:ext>
-    </p:extLst>
-  </p:cSld>
-  <p:clrMapOvr>
-    <a:masterClrMapping/>
-  </p:clrMapOvr>
-  <mc:AlternateContent xmlns:mc="http://schemas.openxmlformats.org/markup-compatibility/2006" xmlns:p14="http://schemas.microsoft.com/office/powerpoint/2010/main">
-    <mc:Choice Requires="p14">
-      <p:transition spd="slow" p14:dur="2000"/>
-    </mc:Choice>
-    <mc:Fallback xmlns="">
-      <p:transition spd="slow"/>
-    </mc:Fallback>
-  </mc:AlternateContent>
-</p:sld>
-</file>
-
-<file path=ppt/slides/slide24.xml><?xml version="1.0" encoding="utf-8"?>
 <p:sld xmlns:a="http://schemas.openxmlformats.org/drawingml/2006/main" xmlns:r="http://schemas.openxmlformats.org/officeDocument/2006/relationships" xmlns:p="http://schemas.openxmlformats.org/presentationml/2006/main">
   <p:cSld>
     <p:spTree>
@@ -13262,7 +13862,7 @@
 </p:sld>
 </file>
 
-<file path=ppt/slides/slide25.xml><?xml version="1.0" encoding="utf-8"?>
+<file path=ppt/slides/slide24.xml><?xml version="1.0" encoding="utf-8"?>
 <p:sld xmlns:a="http://schemas.openxmlformats.org/drawingml/2006/main" xmlns:r="http://schemas.openxmlformats.org/officeDocument/2006/relationships" xmlns:p="http://schemas.openxmlformats.org/presentationml/2006/main">
   <p:cSld>
     <p:spTree>
@@ -13471,7 +14071,7 @@
               <a:pPr>
                 <a:defRPr/>
               </a:pPr>
-              <a:t>25</a:t>
+              <a:t>24</a:t>
             </a:fld>
             <a:endParaRPr lang="en-US" dirty="0"/>
           </a:p>
@@ -13546,6 +14146,220 @@
     <p:extLst>
       <p:ext uri="{BB962C8B-B14F-4D97-AF65-F5344CB8AC3E}">
         <p14:creationId xmlns:p14="http://schemas.microsoft.com/office/powerpoint/2010/main" val="4105966220"/>
+      </p:ext>
+    </p:extLst>
+  </p:cSld>
+  <p:clrMapOvr>
+    <a:masterClrMapping/>
+  </p:clrMapOvr>
+  <p:timing>
+    <p:tnLst>
+      <p:par>
+        <p:cTn id="1" dur="indefinite" restart="never" nodeType="tmRoot"/>
+      </p:par>
+    </p:tnLst>
+  </p:timing>
+</p:sld>
+</file>
+
+<file path=ppt/slides/slide25.xml><?xml version="1.0" encoding="utf-8"?>
+<p:sld xmlns:a="http://schemas.openxmlformats.org/drawingml/2006/main" xmlns:r="http://schemas.openxmlformats.org/officeDocument/2006/relationships" xmlns:p="http://schemas.openxmlformats.org/presentationml/2006/main">
+  <p:cSld>
+    <p:spTree>
+      <p:nvGrpSpPr>
+        <p:cNvPr id="1" name=""/>
+        <p:cNvGrpSpPr/>
+        <p:nvPr/>
+      </p:nvGrpSpPr>
+      <p:grpSpPr>
+        <a:xfrm>
+          <a:off x="0" y="0"/>
+          <a:ext cx="0" cy="0"/>
+          <a:chOff x="0" y="0"/>
+          <a:chExt cx="0" cy="0"/>
+        </a:xfrm>
+      </p:grpSpPr>
+      <p:sp>
+        <p:nvSpPr>
+          <p:cNvPr id="2" name="Title 1"/>
+          <p:cNvSpPr>
+            <a:spLocks noGrp="1"/>
+          </p:cNvSpPr>
+          <p:nvPr>
+            <p:ph type="title"/>
+          </p:nvPr>
+        </p:nvSpPr>
+        <p:spPr>
+          <a:xfrm>
+            <a:off x="1828800" y="228600"/>
+            <a:ext cx="7086600" cy="914400"/>
+          </a:xfrm>
+        </p:spPr>
+        <p:txBody>
+          <a:bodyPr/>
+          <a:lstStyle/>
+          <a:p>
+            <a:r>
+              <a:rPr lang="en-US" dirty="0" smtClean="0"/>
+              <a:t>Technical Factors for Assessing Likelihood</a:t>
+            </a:r>
+            <a:endParaRPr lang="en-US" dirty="0"/>
+          </a:p>
+        </p:txBody>
+      </p:sp>
+      <p:sp>
+        <p:nvSpPr>
+          <p:cNvPr id="3" name="Content Placeholder 2"/>
+          <p:cNvSpPr>
+            <a:spLocks noGrp="1"/>
+          </p:cNvSpPr>
+          <p:nvPr>
+            <p:ph idx="1"/>
+          </p:nvPr>
+        </p:nvSpPr>
+        <p:spPr>
+          <a:xfrm>
+            <a:off x="228600" y="1219200"/>
+            <a:ext cx="8686800" cy="5334000"/>
+          </a:xfrm>
+        </p:spPr>
+        <p:txBody>
+          <a:bodyPr/>
+          <a:lstStyle/>
+          <a:p>
+            <a:r>
+              <a:rPr lang="en-US" dirty="0">
+                <a:solidFill>
+                  <a:schemeClr val="accent5">
+                    <a:lumMod val="20000"/>
+                    <a:lumOff val="80000"/>
+                  </a:schemeClr>
+                </a:solidFill>
+              </a:rPr>
+              <a:t>Complexity</a:t>
+            </a:r>
+            <a:r>
+              <a:rPr lang="en-US" dirty="0"/>
+              <a:t> of technology and teams</a:t>
+            </a:r>
+          </a:p>
+          <a:p>
+            <a:r>
+              <a:rPr lang="en-US" dirty="0">
+                <a:solidFill>
+                  <a:schemeClr val="accent5">
+                    <a:lumMod val="20000"/>
+                    <a:lumOff val="80000"/>
+                  </a:schemeClr>
+                </a:solidFill>
+              </a:rPr>
+              <a:t>Personnel</a:t>
+            </a:r>
+            <a:r>
+              <a:rPr lang="en-US" dirty="0"/>
+              <a:t> and </a:t>
+            </a:r>
+            <a:r>
+              <a:rPr lang="en-US" dirty="0">
+                <a:solidFill>
+                  <a:schemeClr val="accent5">
+                    <a:lumMod val="20000"/>
+                    <a:lumOff val="80000"/>
+                  </a:schemeClr>
+                </a:solidFill>
+              </a:rPr>
+              <a:t>training</a:t>
+            </a:r>
+            <a:r>
+              <a:rPr lang="en-US" dirty="0"/>
+              <a:t> issues</a:t>
+            </a:r>
+          </a:p>
+          <a:p>
+            <a:r>
+              <a:rPr lang="en-US" dirty="0" smtClean="0"/>
+              <a:t>Supplier </a:t>
+            </a:r>
+            <a:r>
+              <a:rPr lang="en-US" dirty="0"/>
+              <a:t>and vendor </a:t>
+            </a:r>
+            <a:r>
+              <a:rPr lang="en-US" dirty="0">
+                <a:solidFill>
+                  <a:schemeClr val="accent5">
+                    <a:lumMod val="20000"/>
+                    <a:lumOff val="80000"/>
+                  </a:schemeClr>
+                </a:solidFill>
+              </a:rPr>
+              <a:t>contractual problems</a:t>
+            </a:r>
+          </a:p>
+          <a:p>
+            <a:r>
+              <a:rPr lang="en-US" dirty="0">
+                <a:solidFill>
+                  <a:schemeClr val="accent5">
+                    <a:lumMod val="20000"/>
+                    <a:lumOff val="80000"/>
+                  </a:schemeClr>
+                </a:solidFill>
+              </a:rPr>
+              <a:t>Geographical distribution </a:t>
+            </a:r>
+            <a:r>
+              <a:rPr lang="en-US" dirty="0"/>
+              <a:t>of the development </a:t>
+            </a:r>
+            <a:r>
+              <a:rPr lang="en-US" dirty="0" smtClean="0"/>
+              <a:t>organization</a:t>
+            </a:r>
+          </a:p>
+          <a:p>
+            <a:pPr lvl="1"/>
+            <a:r>
+              <a:rPr lang="en-US" dirty="0" smtClean="0"/>
+              <a:t>E.g., out-sourcing</a:t>
+            </a:r>
+            <a:endParaRPr lang="en-US" dirty="0"/>
+          </a:p>
+        </p:txBody>
+      </p:sp>
+      <p:sp>
+        <p:nvSpPr>
+          <p:cNvPr id="4" name="Slide Number Placeholder 3"/>
+          <p:cNvSpPr>
+            <a:spLocks noGrp="1"/>
+          </p:cNvSpPr>
+          <p:nvPr>
+            <p:ph type="sldNum" sz="quarter" idx="10"/>
+          </p:nvPr>
+        </p:nvSpPr>
+        <p:spPr/>
+        <p:txBody>
+          <a:bodyPr/>
+          <a:lstStyle/>
+          <a:p>
+            <a:pPr>
+              <a:defRPr/>
+            </a:pPr>
+            <a:fld id="{58452FF4-89E3-4D1B-9927-2DBDC00E58D7}" type="slidenum">
+              <a:rPr lang="en-US" smtClean="0"/>
+              <a:pPr>
+                <a:defRPr/>
+              </a:pPr>
+              <a:t>25</a:t>
+            </a:fld>
+            <a:endParaRPr lang="en-US" dirty="0"/>
+          </a:p>
+        </p:txBody>
+      </p:sp>
+    </p:spTree>
+    <p:extLst>
+      <p:ext uri="{BB962C8B-B14F-4D97-AF65-F5344CB8AC3E}">
+        <p14:creationId xmlns:p14="http://schemas.microsoft.com/office/powerpoint/2010/main" val="2827115906"/>
       </p:ext>
     </p:extLst>
   </p:cSld>
@@ -13601,7 +14415,7 @@
           <a:p>
             <a:r>
               <a:rPr lang="en-US" dirty="0" smtClean="0"/>
-              <a:t>Technical Factors for Assessing Likelihood</a:t>
+              <a:t>Technical Factors for Assessing Likelihood (2)</a:t>
             </a:r>
             <a:endParaRPr lang="en-US" dirty="0"/>
           </a:p>
@@ -13636,16 +14450,18 @@
                   </a:schemeClr>
                 </a:solidFill>
               </a:rPr>
-              <a:t>Complexity</a:t>
+              <a:t>Legacy</a:t>
             </a:r>
             <a:r>
               <a:rPr lang="en-US" dirty="0"/>
-              <a:t> of technology and teams</a:t>
-            </a:r>
-          </a:p>
-          <a:p>
-            <a:r>
-              <a:rPr lang="en-US" dirty="0">
+              <a:t> </a:t>
+            </a:r>
+            <a:r>
+              <a:rPr lang="en-US" dirty="0" smtClean="0"/>
+              <a:t>(established) versus </a:t>
+            </a:r>
+            <a:r>
+              <a:rPr lang="en-US" dirty="0" smtClean="0">
                 <a:solidFill>
                   <a:schemeClr val="accent5">
                     <a:lumMod val="20000"/>
@@ -13653,14 +14469,28 @@
                   </a:schemeClr>
                 </a:solidFill>
               </a:rPr>
-              <a:t>Personnel</a:t>
+              <a:t>new</a:t>
+            </a:r>
+            <a:r>
+              <a:rPr lang="en-US" dirty="0" smtClean="0"/>
+              <a:t> </a:t>
             </a:r>
             <a:r>
               <a:rPr lang="en-US" dirty="0"/>
-              <a:t> and </a:t>
-            </a:r>
-            <a:r>
-              <a:rPr lang="en-US" dirty="0">
+              <a:t>designs and </a:t>
+            </a:r>
+            <a:r>
+              <a:rPr lang="en-US" dirty="0" smtClean="0"/>
+              <a:t>technologies</a:t>
+            </a:r>
+          </a:p>
+          <a:p>
+            <a:r>
+              <a:rPr lang="en-US" dirty="0" smtClean="0"/>
+              <a:t>The </a:t>
+            </a:r>
+            <a:r>
+              <a:rPr lang="en-US" dirty="0" smtClean="0">
                 <a:solidFill>
                   <a:schemeClr val="accent5">
                     <a:lumMod val="20000"/>
@@ -13668,21 +14498,29 @@
                   </a:schemeClr>
                 </a:solidFill>
               </a:rPr>
-              <a:t>training</a:t>
+              <a:t>quality</a:t>
+            </a:r>
+            <a:r>
+              <a:rPr lang="en-US" dirty="0" smtClean="0"/>
+              <a:t> (or </a:t>
             </a:r>
             <a:r>
               <a:rPr lang="en-US" dirty="0"/>
-              <a:t> issues</a:t>
-            </a:r>
-          </a:p>
-          <a:p>
-            <a:r>
-              <a:rPr lang="en-US" dirty="0" smtClean="0"/>
-              <a:t>Supplier </a:t>
+              <a:t>lack of </a:t>
+            </a:r>
+            <a:r>
+              <a:rPr lang="en-US" dirty="0" smtClean="0"/>
+              <a:t>quality) in </a:t>
             </a:r>
             <a:r>
               <a:rPr lang="en-US" dirty="0"/>
-              <a:t>and vendor </a:t>
+              <a:t>the tools and technology used</a:t>
+            </a:r>
+          </a:p>
+          <a:p>
+            <a:r>
+              <a:rPr lang="en-US" dirty="0"/>
+              <a:t>Bad managerial or technical </a:t>
             </a:r>
             <a:r>
               <a:rPr lang="en-US" dirty="0">
@@ -13693,12 +14531,16 @@
                   </a:schemeClr>
                 </a:solidFill>
               </a:rPr>
-              <a:t>contractual problems</a:t>
-            </a:r>
-          </a:p>
-          <a:p>
-            <a:r>
-              <a:rPr lang="en-US" dirty="0">
+              <a:t>leadership</a:t>
+            </a:r>
+          </a:p>
+          <a:p>
+            <a:r>
+              <a:rPr lang="en-US" dirty="0"/>
+              <a:t>Time, resource, and management </a:t>
+            </a:r>
+            <a:r>
+              <a:rPr lang="en-US" dirty="0" smtClean="0">
                 <a:solidFill>
                   <a:schemeClr val="accent5">
                     <a:lumMod val="20000"/>
@@ -13706,22 +14548,22 @@
                   </a:schemeClr>
                 </a:solidFill>
               </a:rPr>
-              <a:t>Geographical distribution </a:t>
+              <a:t>pressure</a:t>
+            </a:r>
+          </a:p>
+          <a:p>
+            <a:pPr lvl="1"/>
+            <a:r>
+              <a:rPr lang="en-US" dirty="0" smtClean="0"/>
+              <a:t>Especially </a:t>
             </a:r>
             <a:r>
               <a:rPr lang="en-US" dirty="0"/>
-              <a:t>of the development </a:t>
-            </a:r>
-            <a:r>
-              <a:rPr lang="en-US" dirty="0" smtClean="0"/>
-              <a:t>organization</a:t>
-            </a:r>
-          </a:p>
-          <a:p>
-            <a:pPr lvl="1"/>
-            <a:r>
-              <a:rPr lang="en-US" dirty="0" smtClean="0"/>
-              <a:t>E.g., out-sourcing</a:t>
+              <a:t>when financial </a:t>
+            </a:r>
+            <a:r>
+              <a:rPr lang="en-US" dirty="0" smtClean="0"/>
+              <a:t>penalties apply</a:t>
             </a:r>
             <a:endParaRPr lang="en-US" dirty="0"/>
           </a:p>
@@ -13759,7 +14601,7 @@
     </p:spTree>
     <p:extLst>
       <p:ext uri="{BB962C8B-B14F-4D97-AF65-F5344CB8AC3E}">
-        <p14:creationId xmlns:p14="http://schemas.microsoft.com/office/powerpoint/2010/main" val="2827115906"/>
+        <p14:creationId xmlns:p14="http://schemas.microsoft.com/office/powerpoint/2010/main" val="973310019"/>
       </p:ext>
     </p:extLst>
   </p:cSld>
@@ -13815,7 +14657,7 @@
           <a:p>
             <a:r>
               <a:rPr lang="en-US" dirty="0" smtClean="0"/>
-              <a:t>Technical Factors for Assessing Likelihood (2)</a:t>
+              <a:t>Technical Factors for Assessing Likelihood (3)</a:t>
             </a:r>
             <a:endParaRPr lang="en-US" dirty="0"/>
           </a:p>
@@ -13850,18 +14692,16 @@
                   </a:schemeClr>
                 </a:solidFill>
               </a:rPr>
-              <a:t>Legacy</a:t>
+              <a:t>Lack of earlier testing </a:t>
             </a:r>
             <a:r>
               <a:rPr lang="en-US" dirty="0"/>
-              <a:t> </a:t>
-            </a:r>
-            <a:r>
-              <a:rPr lang="en-US" dirty="0" smtClean="0"/>
-              <a:t>(established) versus </a:t>
-            </a:r>
-            <a:r>
-              <a:rPr lang="en-US" dirty="0" smtClean="0">
+              <a:t>and quality assurance tasks in the lifecycle</a:t>
+            </a:r>
+          </a:p>
+          <a:p>
+            <a:r>
+              <a:rPr lang="en-US" dirty="0">
                 <a:solidFill>
                   <a:schemeClr val="accent5">
                     <a:lumMod val="20000"/>
@@ -13869,28 +14709,20 @@
                   </a:schemeClr>
                 </a:solidFill>
               </a:rPr>
-              <a:t>new</a:t>
-            </a:r>
-            <a:r>
-              <a:rPr lang="en-US" dirty="0" smtClean="0"/>
-              <a:t> </a:t>
+              <a:t>High rates </a:t>
             </a:r>
             <a:r>
               <a:rPr lang="en-US" dirty="0"/>
-              <a:t>designs and </a:t>
-            </a:r>
-            <a:r>
-              <a:rPr lang="en-US" dirty="0" smtClean="0"/>
-              <a:t>technologies</a:t>
-            </a:r>
-          </a:p>
-          <a:p>
-            <a:r>
-              <a:rPr lang="en-US" dirty="0" smtClean="0"/>
-              <a:t>The </a:t>
-            </a:r>
-            <a:r>
-              <a:rPr lang="en-US" dirty="0" smtClean="0">
+              <a:t>of requirements, design, and code changes in the project</a:t>
+            </a:r>
+          </a:p>
+          <a:p>
+            <a:r>
+              <a:rPr lang="en-US" dirty="0"/>
+              <a:t>High </a:t>
+            </a:r>
+            <a:r>
+              <a:rPr lang="en-US" dirty="0">
                 <a:solidFill>
                   <a:schemeClr val="accent5">
                     <a:lumMod val="20000"/>
@@ -13898,29 +14730,13 @@
                   </a:schemeClr>
                 </a:solidFill>
               </a:rPr>
-              <a:t>quality</a:t>
-            </a:r>
-            <a:r>
-              <a:rPr lang="en-US" dirty="0" smtClean="0"/>
-              <a:t> (or </a:t>
-            </a:r>
+              <a:t>defect rates</a:t>
+            </a:r>
+          </a:p>
+          <a:p>
             <a:r>
               <a:rPr lang="en-US" dirty="0"/>
-              <a:t>lack of </a:t>
-            </a:r>
-            <a:r>
-              <a:rPr lang="en-US" dirty="0" smtClean="0"/>
-              <a:t>quality) in </a:t>
-            </a:r>
-            <a:r>
-              <a:rPr lang="en-US" dirty="0"/>
-              <a:t>the tools and technology used</a:t>
-            </a:r>
-          </a:p>
-          <a:p>
-            <a:r>
-              <a:rPr lang="en-US" dirty="0"/>
-              <a:t>Bad managerial or technical </a:t>
+              <a:t>Complex </a:t>
             </a:r>
             <a:r>
               <a:rPr lang="en-US" dirty="0">
@@ -13931,16 +14747,14 @@
                   </a:schemeClr>
                 </a:solidFill>
               </a:rPr>
-              <a:t>leadership</a:t>
-            </a:r>
-          </a:p>
-          <a:p>
+              <a:t>interfacing </a:t>
+            </a:r>
             <a:r>
               <a:rPr lang="en-US" dirty="0"/>
-              <a:t>Time, resource, and management </a:t>
-            </a:r>
-            <a:r>
-              <a:rPr lang="en-US" dirty="0" smtClean="0">
+              <a:t>and </a:t>
+            </a:r>
+            <a:r>
+              <a:rPr lang="en-US" dirty="0">
                 <a:solidFill>
                   <a:schemeClr val="accent5">
                     <a:lumMod val="20000"/>
@@ -13948,24 +14762,8 @@
                   </a:schemeClr>
                 </a:solidFill>
               </a:rPr>
-              <a:t>pressure</a:t>
-            </a:r>
-          </a:p>
-          <a:p>
-            <a:pPr lvl="1"/>
-            <a:r>
-              <a:rPr lang="en-US" dirty="0" smtClean="0"/>
-              <a:t>Especially </a:t>
-            </a:r>
-            <a:r>
-              <a:rPr lang="en-US" dirty="0"/>
-              <a:t>when financial </a:t>
-            </a:r>
-            <a:r>
-              <a:rPr lang="en-US" dirty="0" smtClean="0"/>
-              <a:t>penalties apply</a:t>
-            </a:r>
-            <a:endParaRPr lang="en-US" dirty="0"/>
+              <a:t>integration issues</a:t>
+            </a:r>
           </a:p>
         </p:txBody>
       </p:sp>
@@ -14001,20 +14799,13 @@
     </p:spTree>
     <p:extLst>
       <p:ext uri="{BB962C8B-B14F-4D97-AF65-F5344CB8AC3E}">
-        <p14:creationId xmlns:p14="http://schemas.microsoft.com/office/powerpoint/2010/main" val="973310019"/>
+        <p14:creationId xmlns:p14="http://schemas.microsoft.com/office/powerpoint/2010/main" val="3642593250"/>
       </p:ext>
     </p:extLst>
   </p:cSld>
   <p:clrMapOvr>
     <a:masterClrMapping/>
   </p:clrMapOvr>
-  <p:timing>
-    <p:tnLst>
-      <p:par>
-        <p:cTn id="1" dur="indefinite" restart="never" nodeType="tmRoot"/>
-      </p:par>
-    </p:tnLst>
-  </p:timing>
 </p:sld>
 </file>
 
@@ -14057,7 +14848,7 @@
           <a:p>
             <a:r>
               <a:rPr lang="en-US" dirty="0" smtClean="0"/>
-              <a:t>Technical Factors for Assessing Likelihood (3)</a:t>
+              <a:t>Business Factors for Assessing Impact</a:t>
             </a:r>
             <a:endParaRPr lang="en-US" dirty="0"/>
           </a:p>
@@ -14084,6 +14875,14 @@
           <a:lstStyle/>
           <a:p>
             <a:r>
+              <a:rPr lang="en-US" dirty="0" smtClean="0"/>
+              <a:t>Potential </a:t>
+            </a:r>
+            <a:r>
+              <a:rPr lang="en-US" dirty="0"/>
+              <a:t>damage to </a:t>
+            </a:r>
+            <a:r>
               <a:rPr lang="en-US" dirty="0">
                 <a:solidFill>
                   <a:schemeClr val="accent5">
@@ -14092,14 +14891,14 @@
                   </a:schemeClr>
                 </a:solidFill>
               </a:rPr>
-              <a:t>Lack of earlier testing </a:t>
-            </a:r>
+              <a:t>image</a:t>
+            </a:r>
+          </a:p>
+          <a:p>
             <a:r>
               <a:rPr lang="en-US" dirty="0"/>
-              <a:t>and quality assurance tasks in the lifecycle</a:t>
-            </a:r>
-          </a:p>
-          <a:p>
+              <a:t>Loss of </a:t>
+            </a:r>
             <a:r>
               <a:rPr lang="en-US" dirty="0">
                 <a:solidFill>
@@ -14109,17 +14908,11 @@
                   </a:schemeClr>
                 </a:solidFill>
               </a:rPr>
-              <a:t>High rates </a:t>
+              <a:t>customers</a:t>
             </a:r>
             <a:r>
               <a:rPr lang="en-US" dirty="0"/>
-              <a:t>of requirements, design, and code changes in the project</a:t>
-            </a:r>
-          </a:p>
-          <a:p>
-            <a:r>
-              <a:rPr lang="en-US" dirty="0"/>
-              <a:t>High </a:t>
+              <a:t> and </a:t>
             </a:r>
             <a:r>
               <a:rPr lang="en-US" dirty="0">
@@ -14130,13 +14923,13 @@
                   </a:schemeClr>
                 </a:solidFill>
               </a:rPr>
-              <a:t>defect rates</a:t>
+              <a:t>business</a:t>
             </a:r>
           </a:p>
           <a:p>
             <a:r>
               <a:rPr lang="en-US" dirty="0"/>
-              <a:t>Complex </a:t>
+              <a:t>Potential financial, ecological, or social </a:t>
             </a:r>
             <a:r>
               <a:rPr lang="en-US" dirty="0">
@@ -14147,14 +14940,10 @@
                   </a:schemeClr>
                 </a:solidFill>
               </a:rPr>
-              <a:t>interfacing </a:t>
-            </a:r>
-            <a:r>
-              <a:rPr lang="en-US" dirty="0"/>
-              <a:t>and </a:t>
-            </a:r>
-            <a:r>
-              <a:rPr lang="en-US" dirty="0">
+              <a:t>losses or </a:t>
+            </a:r>
+            <a:r>
+              <a:rPr lang="en-US" dirty="0" smtClean="0">
                 <a:solidFill>
                   <a:schemeClr val="accent5">
                     <a:lumMod val="20000"/>
@@ -14162,8 +14951,16 @@
                   </a:schemeClr>
                 </a:solidFill>
               </a:rPr>
-              <a:t>integration issues</a:t>
-            </a:r>
+              <a:t>liability</a:t>
+            </a:r>
+            <a:endParaRPr lang="en-US" dirty="0">
+              <a:solidFill>
+                <a:schemeClr val="accent5">
+                  <a:lumMod val="20000"/>
+                  <a:lumOff val="80000"/>
+                </a:schemeClr>
+              </a:solidFill>
+            </a:endParaRPr>
           </a:p>
         </p:txBody>
       </p:sp>
@@ -14199,7 +14996,7 @@
     </p:spTree>
     <p:extLst>
       <p:ext uri="{BB962C8B-B14F-4D97-AF65-F5344CB8AC3E}">
-        <p14:creationId xmlns:p14="http://schemas.microsoft.com/office/powerpoint/2010/main" val="3642593250"/>
+        <p14:creationId xmlns:p14="http://schemas.microsoft.com/office/powerpoint/2010/main" val="50024485"/>
       </p:ext>
     </p:extLst>
   </p:cSld>
@@ -14248,7 +15045,7 @@
           <a:p>
             <a:r>
               <a:rPr lang="en-US" dirty="0" smtClean="0"/>
-              <a:t>Business Factors for Assessing Impact</a:t>
+              <a:t>Business Factors for Assessing Impact (2)</a:t>
             </a:r>
             <a:endParaRPr lang="en-US" dirty="0"/>
           </a:p>
@@ -14276,11 +15073,11 @@
           <a:p>
             <a:r>
               <a:rPr lang="en-US" dirty="0" smtClean="0"/>
-              <a:t>Potential </a:t>
+              <a:t>Civil </a:t>
             </a:r>
             <a:r>
               <a:rPr lang="en-US" dirty="0"/>
-              <a:t>damage to </a:t>
+              <a:t>or criminal </a:t>
             </a:r>
             <a:r>
               <a:rPr lang="en-US" dirty="0">
@@ -14291,13 +15088,23 @@
                   </a:schemeClr>
                 </a:solidFill>
               </a:rPr>
-              <a:t>image</a:t>
+              <a:t>legal sanctions</a:t>
             </a:r>
           </a:p>
           <a:p>
             <a:r>
               <a:rPr lang="en-US" dirty="0"/>
-              <a:t>Loss of </a:t>
+              <a:t>Loss of licenses, </a:t>
+            </a:r>
+            <a:r>
+              <a:rPr lang="en-US" dirty="0" smtClean="0"/>
+              <a:t>permits, etc.</a:t>
+            </a:r>
+          </a:p>
+          <a:p>
+            <a:r>
+              <a:rPr lang="en-US" dirty="0"/>
+              <a:t>The lack of reasonable </a:t>
             </a:r>
             <a:r>
               <a:rPr lang="en-US" dirty="0">
@@ -14308,11 +15115,13 @@
                   </a:schemeClr>
                 </a:solidFill>
               </a:rPr>
-              <a:t>customers</a:t>
-            </a:r>
+              <a:t>workarounds</a:t>
+            </a:r>
+          </a:p>
+          <a:p>
             <a:r>
               <a:rPr lang="en-US" dirty="0"/>
-              <a:t> and </a:t>
+              <a:t>The </a:t>
             </a:r>
             <a:r>
               <a:rPr lang="en-US" dirty="0">
@@ -14323,13 +15132,11 @@
                   </a:schemeClr>
                 </a:solidFill>
               </a:rPr>
-              <a:t>business</a:t>
-            </a:r>
-          </a:p>
-          <a:p>
+              <a:t>visibility</a:t>
+            </a:r>
             <a:r>
               <a:rPr lang="en-US" dirty="0"/>
-              <a:t>Potential financial, ecological, or social </a:t>
+              <a:t> of failure and the associated </a:t>
             </a:r>
             <a:r>
               <a:rPr lang="en-US" dirty="0">
@@ -14340,27 +15147,8 @@
                   </a:schemeClr>
                 </a:solidFill>
               </a:rPr>
-              <a:t>losses or </a:t>
-            </a:r>
-            <a:r>
-              <a:rPr lang="en-US" dirty="0" smtClean="0">
-                <a:solidFill>
-                  <a:schemeClr val="accent5">
-                    <a:lumMod val="20000"/>
-                    <a:lumOff val="80000"/>
-                  </a:schemeClr>
-                </a:solidFill>
-              </a:rPr>
-              <a:t>liability</a:t>
-            </a:r>
-            <a:endParaRPr lang="en-US" dirty="0">
-              <a:solidFill>
-                <a:schemeClr val="accent5">
-                  <a:lumMod val="20000"/>
-                  <a:lumOff val="80000"/>
-                </a:schemeClr>
-              </a:solidFill>
-            </a:endParaRPr>
+              <a:t>negative publicity</a:t>
+            </a:r>
           </a:p>
         </p:txBody>
       </p:sp>
@@ -14393,10 +15181,58 @@
           </a:p>
         </p:txBody>
       </p:sp>
+      <p:pic>
+        <p:nvPicPr>
+          <p:cNvPr id="11266" name="Picture 2" descr="1 General Risk Solid Green Clip Art"/>
+          <p:cNvPicPr>
+            <a:picLocks noChangeAspect="1" noChangeArrowheads="1"/>
+          </p:cNvPicPr>
+          <p:nvPr/>
+        </p:nvPicPr>
+        <p:blipFill>
+          <a:blip r:embed="rId2" cstate="print">
+            <a:extLst>
+              <a:ext uri="{28A0092B-C50C-407E-A947-70E740481C1C}">
+                <a14:useLocalDpi xmlns:a14="http://schemas.microsoft.com/office/drawing/2010/main" val="0"/>
+              </a:ext>
+            </a:extLst>
+          </a:blip>
+          <a:srcRect/>
+          <a:stretch>
+            <a:fillRect/>
+          </a:stretch>
+        </p:blipFill>
+        <p:spPr bwMode="auto">
+          <a:xfrm>
+            <a:off x="6324600" y="4419600"/>
+            <a:ext cx="2172900" cy="1962151"/>
+          </a:xfrm>
+          <a:prstGeom prst="rect">
+            <a:avLst/>
+          </a:prstGeom>
+          <a:noFill/>
+          <a:effectLst>
+            <a:glow rad="101600">
+              <a:schemeClr val="tx1">
+                <a:alpha val="40000"/>
+              </a:schemeClr>
+            </a:glow>
+          </a:effectLst>
+          <a:extLst>
+            <a:ext uri="{909E8E84-426E-40DD-AFC4-6F175D3DCCD1}">
+              <a14:hiddenFill xmlns:a14="http://schemas.microsoft.com/office/drawing/2010/main">
+                <a:solidFill>
+                  <a:srgbClr val="FFFFFF"/>
+                </a:solidFill>
+              </a14:hiddenFill>
+            </a:ext>
+          </a:extLst>
+        </p:spPr>
+      </p:pic>
     </p:spTree>
     <p:extLst>
       <p:ext uri="{BB962C8B-B14F-4D97-AF65-F5344CB8AC3E}">
-        <p14:creationId xmlns:p14="http://schemas.microsoft.com/office/powerpoint/2010/main" val="50024485"/>
+        <p14:creationId xmlns:p14="http://schemas.microsoft.com/office/powerpoint/2010/main" val="2505629285"/>
       </p:ext>
     </p:extLst>
   </p:cSld>
@@ -14695,242 +15531,6 @@
           <a:p>
             <a:r>
               <a:rPr lang="en-US" dirty="0" smtClean="0"/>
-              <a:t>Business Factors for Assessing Impact (2)</a:t>
-            </a:r>
-            <a:endParaRPr lang="en-US" dirty="0"/>
-          </a:p>
-        </p:txBody>
-      </p:sp>
-      <p:sp>
-        <p:nvSpPr>
-          <p:cNvPr id="3" name="Content Placeholder 2"/>
-          <p:cNvSpPr>
-            <a:spLocks noGrp="1"/>
-          </p:cNvSpPr>
-          <p:nvPr>
-            <p:ph idx="1"/>
-          </p:nvPr>
-        </p:nvSpPr>
-        <p:spPr>
-          <a:xfrm>
-            <a:off x="228600" y="1219200"/>
-            <a:ext cx="8686800" cy="5334000"/>
-          </a:xfrm>
-        </p:spPr>
-        <p:txBody>
-          <a:bodyPr/>
-          <a:lstStyle/>
-          <a:p>
-            <a:r>
-              <a:rPr lang="en-US" dirty="0" smtClean="0"/>
-              <a:t>Civil </a:t>
-            </a:r>
-            <a:r>
-              <a:rPr lang="en-US" dirty="0"/>
-              <a:t>or criminal </a:t>
-            </a:r>
-            <a:r>
-              <a:rPr lang="en-US" dirty="0">
-                <a:solidFill>
-                  <a:schemeClr val="accent5">
-                    <a:lumMod val="20000"/>
-                    <a:lumOff val="80000"/>
-                  </a:schemeClr>
-                </a:solidFill>
-              </a:rPr>
-              <a:t>legal sanctions</a:t>
-            </a:r>
-          </a:p>
-          <a:p>
-            <a:r>
-              <a:rPr lang="en-US" dirty="0"/>
-              <a:t>Loss of licenses, </a:t>
-            </a:r>
-            <a:r>
-              <a:rPr lang="en-US" dirty="0" smtClean="0"/>
-              <a:t>permits, etc.</a:t>
-            </a:r>
-          </a:p>
-          <a:p>
-            <a:r>
-              <a:rPr lang="en-US" dirty="0"/>
-              <a:t>The lack of reasonable </a:t>
-            </a:r>
-            <a:r>
-              <a:rPr lang="en-US" dirty="0">
-                <a:solidFill>
-                  <a:schemeClr val="accent5">
-                    <a:lumMod val="20000"/>
-                    <a:lumOff val="80000"/>
-                  </a:schemeClr>
-                </a:solidFill>
-              </a:rPr>
-              <a:t>workarounds</a:t>
-            </a:r>
-          </a:p>
-          <a:p>
-            <a:r>
-              <a:rPr lang="en-US" dirty="0"/>
-              <a:t>The </a:t>
-            </a:r>
-            <a:r>
-              <a:rPr lang="en-US" dirty="0">
-                <a:solidFill>
-                  <a:schemeClr val="accent5">
-                    <a:lumMod val="20000"/>
-                    <a:lumOff val="80000"/>
-                  </a:schemeClr>
-                </a:solidFill>
-              </a:rPr>
-              <a:t>visibility</a:t>
-            </a:r>
-            <a:r>
-              <a:rPr lang="en-US" dirty="0"/>
-              <a:t> of failure and the associated </a:t>
-            </a:r>
-            <a:r>
-              <a:rPr lang="en-US" dirty="0">
-                <a:solidFill>
-                  <a:schemeClr val="accent5">
-                    <a:lumMod val="20000"/>
-                    <a:lumOff val="80000"/>
-                  </a:schemeClr>
-                </a:solidFill>
-              </a:rPr>
-              <a:t>negative publicity</a:t>
-            </a:r>
-          </a:p>
-        </p:txBody>
-      </p:sp>
-      <p:sp>
-        <p:nvSpPr>
-          <p:cNvPr id="4" name="Slide Number Placeholder 3"/>
-          <p:cNvSpPr>
-            <a:spLocks noGrp="1"/>
-          </p:cNvSpPr>
-          <p:nvPr>
-            <p:ph type="sldNum" sz="quarter" idx="10"/>
-          </p:nvPr>
-        </p:nvSpPr>
-        <p:spPr/>
-        <p:txBody>
-          <a:bodyPr/>
-          <a:lstStyle/>
-          <a:p>
-            <a:pPr>
-              <a:defRPr/>
-            </a:pPr>
-            <a:fld id="{58452FF4-89E3-4D1B-9927-2DBDC00E58D7}" type="slidenum">
-              <a:rPr lang="en-US" smtClean="0"/>
-              <a:pPr>
-                <a:defRPr/>
-              </a:pPr>
-              <a:t>30</a:t>
-            </a:fld>
-            <a:endParaRPr lang="en-US" dirty="0"/>
-          </a:p>
-        </p:txBody>
-      </p:sp>
-      <p:pic>
-        <p:nvPicPr>
-          <p:cNvPr id="11266" name="Picture 2" descr="1 General Risk Solid Green Clip Art"/>
-          <p:cNvPicPr>
-            <a:picLocks noChangeAspect="1" noChangeArrowheads="1"/>
-          </p:cNvPicPr>
-          <p:nvPr/>
-        </p:nvPicPr>
-        <p:blipFill>
-          <a:blip r:embed="rId2" cstate="print">
-            <a:extLst>
-              <a:ext uri="{28A0092B-C50C-407E-A947-70E740481C1C}">
-                <a14:useLocalDpi xmlns:a14="http://schemas.microsoft.com/office/drawing/2010/main" val="0"/>
-              </a:ext>
-            </a:extLst>
-          </a:blip>
-          <a:srcRect/>
-          <a:stretch>
-            <a:fillRect/>
-          </a:stretch>
-        </p:blipFill>
-        <p:spPr bwMode="auto">
-          <a:xfrm>
-            <a:off x="6324600" y="4419600"/>
-            <a:ext cx="2172900" cy="1962151"/>
-          </a:xfrm>
-          <a:prstGeom prst="rect">
-            <a:avLst/>
-          </a:prstGeom>
-          <a:noFill/>
-          <a:effectLst>
-            <a:glow rad="101600">
-              <a:schemeClr val="tx1">
-                <a:alpha val="40000"/>
-              </a:schemeClr>
-            </a:glow>
-          </a:effectLst>
-          <a:extLst>
-            <a:ext uri="{909E8E84-426E-40DD-AFC4-6F175D3DCCD1}">
-              <a14:hiddenFill xmlns:a14="http://schemas.microsoft.com/office/drawing/2010/main">
-                <a:solidFill>
-                  <a:srgbClr val="FFFFFF"/>
-                </a:solidFill>
-              </a14:hiddenFill>
-            </a:ext>
-          </a:extLst>
-        </p:spPr>
-      </p:pic>
-    </p:spTree>
-    <p:extLst>
-      <p:ext uri="{BB962C8B-B14F-4D97-AF65-F5344CB8AC3E}">
-        <p14:creationId xmlns:p14="http://schemas.microsoft.com/office/powerpoint/2010/main" val="2505629285"/>
-      </p:ext>
-    </p:extLst>
-  </p:cSld>
-  <p:clrMapOvr>
-    <a:masterClrMapping/>
-  </p:clrMapOvr>
-</p:sld>
-</file>
-
-<file path=ppt/slides/slide31.xml><?xml version="1.0" encoding="utf-8"?>
-<p:sld xmlns:a="http://schemas.openxmlformats.org/drawingml/2006/main" xmlns:r="http://schemas.openxmlformats.org/officeDocument/2006/relationships" xmlns:p="http://schemas.openxmlformats.org/presentationml/2006/main">
-  <p:cSld>
-    <p:spTree>
-      <p:nvGrpSpPr>
-        <p:cNvPr id="1" name=""/>
-        <p:cNvGrpSpPr/>
-        <p:nvPr/>
-      </p:nvGrpSpPr>
-      <p:grpSpPr>
-        <a:xfrm>
-          <a:off x="0" y="0"/>
-          <a:ext cx="0" cy="0"/>
-          <a:chOff x="0" y="0"/>
-          <a:chExt cx="0" cy="0"/>
-        </a:xfrm>
-      </p:grpSpPr>
-      <p:sp>
-        <p:nvSpPr>
-          <p:cNvPr id="2" name="Title 1"/>
-          <p:cNvSpPr>
-            <a:spLocks noGrp="1"/>
-          </p:cNvSpPr>
-          <p:nvPr>
-            <p:ph type="title"/>
-          </p:nvPr>
-        </p:nvSpPr>
-        <p:spPr>
-          <a:xfrm>
-            <a:off x="1828800" y="228600"/>
-            <a:ext cx="7086600" cy="914400"/>
-          </a:xfrm>
-        </p:spPr>
-        <p:txBody>
-          <a:bodyPr/>
-          <a:lstStyle/>
-          <a:p>
-            <a:r>
-              <a:rPr lang="en-US" dirty="0" smtClean="0"/>
               <a:t>How Do We Determine the Level of Risk</a:t>
             </a:r>
             <a:endParaRPr lang="en-US" dirty="0"/>
@@ -15095,7 +15695,7 @@
               <a:pPr>
                 <a:defRPr/>
               </a:pPr>
-              <a:t>31</a:t>
+              <a:t>30</a:t>
             </a:fld>
             <a:endParaRPr lang="en-US" dirty="0"/>
           </a:p>
@@ -15114,7 +15714,7 @@
 </p:sld>
 </file>
 
-<file path=ppt/slides/slide32.xml><?xml version="1.0" encoding="utf-8"?>
+<file path=ppt/slides/slide31.xml><?xml version="1.0" encoding="utf-8"?>
 <p:sld xmlns:a="http://schemas.openxmlformats.org/drawingml/2006/main" xmlns:r="http://schemas.openxmlformats.org/officeDocument/2006/relationships" xmlns:p="http://schemas.openxmlformats.org/presentationml/2006/main">
   <p:cSld>
     <p:spTree>
@@ -15295,6 +15895,184 @@
 </p:sld>
 </file>
 
+<file path=ppt/slides/slide32.xml><?xml version="1.0" encoding="utf-8"?>
+<p:sld xmlns:a="http://schemas.openxmlformats.org/drawingml/2006/main" xmlns:r="http://schemas.openxmlformats.org/officeDocument/2006/relationships" xmlns:p="http://schemas.openxmlformats.org/presentationml/2006/main">
+  <p:cSld>
+    <p:spTree>
+      <p:nvGrpSpPr>
+        <p:cNvPr id="1" name=""/>
+        <p:cNvGrpSpPr/>
+        <p:nvPr/>
+      </p:nvGrpSpPr>
+      <p:grpSpPr>
+        <a:xfrm>
+          <a:off x="0" y="0"/>
+          <a:ext cx="0" cy="0"/>
+          <a:chOff x="0" y="0"/>
+          <a:chExt cx="0" cy="0"/>
+        </a:xfrm>
+      </p:grpSpPr>
+      <p:sp>
+        <p:nvSpPr>
+          <p:cNvPr id="2" name="Title 1"/>
+          <p:cNvSpPr>
+            <a:spLocks noGrp="1"/>
+          </p:cNvSpPr>
+          <p:nvPr>
+            <p:ph type="title"/>
+          </p:nvPr>
+        </p:nvSpPr>
+        <p:spPr/>
+        <p:txBody>
+          <a:bodyPr/>
+          <a:lstStyle/>
+          <a:p>
+            <a:r>
+              <a:rPr lang="en-US" dirty="0"/>
+              <a:t>Risk </a:t>
+            </a:r>
+            <a:r>
+              <a:rPr lang="en-US" dirty="0" smtClean="0"/>
+              <a:t>Control</a:t>
+            </a:r>
+            <a:endParaRPr lang="en-US" dirty="0"/>
+          </a:p>
+        </p:txBody>
+      </p:sp>
+      <p:sp>
+        <p:nvSpPr>
+          <p:cNvPr id="3" name="Content Placeholder 2"/>
+          <p:cNvSpPr>
+            <a:spLocks noGrp="1"/>
+          </p:cNvSpPr>
+          <p:nvPr>
+            <p:ph idx="1"/>
+          </p:nvPr>
+        </p:nvSpPr>
+        <p:spPr/>
+        <p:txBody>
+          <a:bodyPr/>
+          <a:lstStyle/>
+          <a:p>
+            <a:r>
+              <a:rPr lang="en-US" dirty="0"/>
+              <a:t>Risk control has four main </a:t>
+            </a:r>
+            <a:r>
+              <a:rPr lang="en-US" dirty="0" smtClean="0"/>
+              <a:t>options:</a:t>
+            </a:r>
+          </a:p>
+          <a:p>
+            <a:pPr lvl="1"/>
+            <a:r>
+              <a:rPr lang="en-US" dirty="0" smtClean="0">
+                <a:solidFill>
+                  <a:schemeClr val="accent5">
+                    <a:lumMod val="20000"/>
+                    <a:lumOff val="80000"/>
+                  </a:schemeClr>
+                </a:solidFill>
+              </a:rPr>
+              <a:t>Mitigation</a:t>
+            </a:r>
+          </a:p>
+          <a:p>
+            <a:pPr lvl="2"/>
+            <a:r>
+              <a:rPr lang="en-US" dirty="0" smtClean="0"/>
+              <a:t>Taking preventive </a:t>
+            </a:r>
+            <a:r>
+              <a:rPr lang="en-US" dirty="0"/>
+              <a:t>measures to reduce the likelihood </a:t>
+            </a:r>
+            <a:r>
+              <a:rPr lang="en-US" dirty="0" smtClean="0"/>
+              <a:t>and/or the impact </a:t>
+            </a:r>
+            <a:r>
+              <a:rPr lang="en-US" dirty="0"/>
+              <a:t>of a </a:t>
+            </a:r>
+            <a:r>
+              <a:rPr lang="en-US" dirty="0" smtClean="0"/>
+              <a:t>risk</a:t>
+            </a:r>
+          </a:p>
+          <a:p>
+            <a:pPr lvl="1"/>
+            <a:r>
+              <a:rPr lang="en-US" dirty="0" smtClean="0">
+                <a:solidFill>
+                  <a:schemeClr val="accent5">
+                    <a:lumMod val="20000"/>
+                    <a:lumOff val="80000"/>
+                  </a:schemeClr>
+                </a:solidFill>
+              </a:rPr>
+              <a:t>Contingency</a:t>
+            </a:r>
+          </a:p>
+          <a:p>
+            <a:pPr lvl="2"/>
+            <a:r>
+              <a:rPr lang="en-US" dirty="0"/>
+              <a:t>W</a:t>
+            </a:r>
+            <a:r>
+              <a:rPr lang="en-US" dirty="0" smtClean="0"/>
+              <a:t>here </a:t>
+            </a:r>
+            <a:r>
+              <a:rPr lang="en-US" dirty="0"/>
+              <a:t>we have a plan or perhaps multiple plans to reduce the impact if a risk should it occur</a:t>
+            </a:r>
+          </a:p>
+        </p:txBody>
+      </p:sp>
+      <p:sp>
+        <p:nvSpPr>
+          <p:cNvPr id="4" name="Slide Number Placeholder 3"/>
+          <p:cNvSpPr>
+            <a:spLocks noGrp="1"/>
+          </p:cNvSpPr>
+          <p:nvPr>
+            <p:ph type="sldNum" sz="quarter" idx="10"/>
+          </p:nvPr>
+        </p:nvSpPr>
+        <p:spPr/>
+        <p:txBody>
+          <a:bodyPr/>
+          <a:lstStyle/>
+          <a:p>
+            <a:pPr>
+              <a:defRPr/>
+            </a:pPr>
+            <a:fld id="{58452FF4-89E3-4D1B-9927-2DBDC00E58D7}" type="slidenum">
+              <a:rPr lang="en-US" smtClean="0"/>
+              <a:pPr>
+                <a:defRPr/>
+              </a:pPr>
+              <a:t>32</a:t>
+            </a:fld>
+            <a:endParaRPr lang="en-US" dirty="0"/>
+          </a:p>
+        </p:txBody>
+      </p:sp>
+    </p:spTree>
+    <p:extLst>
+      <p:ext uri="{BB962C8B-B14F-4D97-AF65-F5344CB8AC3E}">
+        <p14:creationId xmlns:p14="http://schemas.microsoft.com/office/powerpoint/2010/main" val="60733710"/>
+      </p:ext>
+    </p:extLst>
+  </p:cSld>
+  <p:clrMapOvr>
+    <a:masterClrMapping/>
+  </p:clrMapOvr>
+</p:sld>
+</file>
+
 <file path=ppt/slides/slide33.xml><?xml version="1.0" encoding="utf-8"?>
 <p:sld xmlns:a="http://schemas.openxmlformats.org/drawingml/2006/main" xmlns:r="http://schemas.openxmlformats.org/officeDocument/2006/relationships" xmlns:p="http://schemas.openxmlformats.org/presentationml/2006/main">
   <p:cSld>
@@ -15333,7 +16111,7 @@
             </a:r>
             <a:r>
               <a:rPr lang="en-US" dirty="0" smtClean="0"/>
-              <a:t>Control</a:t>
+              <a:t>Control (2)</a:t>
             </a:r>
             <a:endParaRPr lang="en-US" dirty="0"/>
           </a:p>
@@ -15356,11 +16134,7 @@
           <a:p>
             <a:r>
               <a:rPr lang="en-US" dirty="0"/>
-              <a:t>Risk control has four main </a:t>
-            </a:r>
-            <a:r>
-              <a:rPr lang="en-US" dirty="0" smtClean="0"/>
-              <a:t>options:</a:t>
+              <a:t>Risk control has four main options:</a:t>
             </a:r>
           </a:p>
           <a:p>
@@ -15374,31 +16148,16 @@
                   </a:schemeClr>
                 </a:solidFill>
               </a:rPr>
-              <a:t>Mitigation</a:t>
+              <a:t>Transference</a:t>
             </a:r>
           </a:p>
           <a:p>
             <a:pPr lvl="2"/>
             <a:r>
-              <a:rPr lang="en-US" dirty="0" smtClean="0"/>
-              <a:t>Taking preventive </a:t>
-            </a:r>
-            <a:r>
               <a:rPr lang="en-US" dirty="0"/>
-              <a:t>measures to reduce the likelihood </a:t>
-            </a:r>
-            <a:r>
-              <a:rPr lang="en-US" dirty="0" smtClean="0"/>
-              <a:t>and/or the impact </a:t>
-            </a:r>
-            <a:r>
-              <a:rPr lang="en-US" dirty="0"/>
-              <a:t>of a </a:t>
-            </a:r>
-            <a:r>
-              <a:rPr lang="en-US" dirty="0" smtClean="0"/>
-              <a:t>risk</a:t>
-            </a:r>
+              <a:t>Getting another party to accept the consequences of a risk should it occur</a:t>
+            </a:r>
+            <a:endParaRPr lang="en-US" dirty="0" smtClean="0"/>
           </a:p>
           <a:p>
             <a:pPr lvl="1"/>
@@ -15411,23 +16170,20 @@
                   </a:schemeClr>
                 </a:solidFill>
               </a:rPr>
-              <a:t>Contingency</a:t>
+              <a:t>Accepting</a:t>
+            </a:r>
+            <a:r>
+              <a:rPr lang="en-US" dirty="0" smtClean="0"/>
+              <a:t> (ignoring) the risk</a:t>
             </a:r>
           </a:p>
           <a:p>
             <a:pPr lvl="2"/>
             <a:r>
-              <a:rPr lang="en-US" dirty="0"/>
-              <a:t>W</a:t>
-            </a:r>
-            <a:r>
-              <a:rPr lang="en-US" dirty="0" smtClean="0"/>
-              <a:t>here </a:t>
-            </a:r>
-            <a:r>
-              <a:rPr lang="en-US" dirty="0"/>
-              <a:t>we have a plan or perhaps multiple plans to reduce the impact if a risk should it occur</a:t>
-            </a:r>
+              <a:rPr lang="en-US" dirty="0" smtClean="0"/>
+              <a:t>A final option</a:t>
+            </a:r>
+            <a:endParaRPr lang="en-US" dirty="0"/>
           </a:p>
         </p:txBody>
       </p:sp>
@@ -15455,162 +16211,6 @@
                 <a:defRPr/>
               </a:pPr>
               <a:t>33</a:t>
-            </a:fld>
-            <a:endParaRPr lang="en-US" dirty="0"/>
-          </a:p>
-        </p:txBody>
-      </p:sp>
-    </p:spTree>
-    <p:extLst>
-      <p:ext uri="{BB962C8B-B14F-4D97-AF65-F5344CB8AC3E}">
-        <p14:creationId xmlns:p14="http://schemas.microsoft.com/office/powerpoint/2010/main" val="60733710"/>
-      </p:ext>
-    </p:extLst>
-  </p:cSld>
-  <p:clrMapOvr>
-    <a:masterClrMapping/>
-  </p:clrMapOvr>
-</p:sld>
-</file>
-
-<file path=ppt/slides/slide34.xml><?xml version="1.0" encoding="utf-8"?>
-<p:sld xmlns:a="http://schemas.openxmlformats.org/drawingml/2006/main" xmlns:r="http://schemas.openxmlformats.org/officeDocument/2006/relationships" xmlns:p="http://schemas.openxmlformats.org/presentationml/2006/main">
-  <p:cSld>
-    <p:spTree>
-      <p:nvGrpSpPr>
-        <p:cNvPr id="1" name=""/>
-        <p:cNvGrpSpPr/>
-        <p:nvPr/>
-      </p:nvGrpSpPr>
-      <p:grpSpPr>
-        <a:xfrm>
-          <a:off x="0" y="0"/>
-          <a:ext cx="0" cy="0"/>
-          <a:chOff x="0" y="0"/>
-          <a:chExt cx="0" cy="0"/>
-        </a:xfrm>
-      </p:grpSpPr>
-      <p:sp>
-        <p:nvSpPr>
-          <p:cNvPr id="2" name="Title 1"/>
-          <p:cNvSpPr>
-            <a:spLocks noGrp="1"/>
-          </p:cNvSpPr>
-          <p:nvPr>
-            <p:ph type="title"/>
-          </p:nvPr>
-        </p:nvSpPr>
-        <p:spPr/>
-        <p:txBody>
-          <a:bodyPr/>
-          <a:lstStyle/>
-          <a:p>
-            <a:r>
-              <a:rPr lang="en-US" dirty="0"/>
-              <a:t>Risk </a:t>
-            </a:r>
-            <a:r>
-              <a:rPr lang="en-US" dirty="0" smtClean="0"/>
-              <a:t>Control (2)</a:t>
-            </a:r>
-            <a:endParaRPr lang="en-US" dirty="0"/>
-          </a:p>
-        </p:txBody>
-      </p:sp>
-      <p:sp>
-        <p:nvSpPr>
-          <p:cNvPr id="3" name="Content Placeholder 2"/>
-          <p:cNvSpPr>
-            <a:spLocks noGrp="1"/>
-          </p:cNvSpPr>
-          <p:nvPr>
-            <p:ph idx="1"/>
-          </p:nvPr>
-        </p:nvSpPr>
-        <p:spPr/>
-        <p:txBody>
-          <a:bodyPr/>
-          <a:lstStyle/>
-          <a:p>
-            <a:r>
-              <a:rPr lang="en-US" dirty="0"/>
-              <a:t>Risk control has four main options:</a:t>
-            </a:r>
-          </a:p>
-          <a:p>
-            <a:pPr lvl="1"/>
-            <a:r>
-              <a:rPr lang="en-US" dirty="0" smtClean="0">
-                <a:solidFill>
-                  <a:schemeClr val="accent5">
-                    <a:lumMod val="20000"/>
-                    <a:lumOff val="80000"/>
-                  </a:schemeClr>
-                </a:solidFill>
-              </a:rPr>
-              <a:t>Transference</a:t>
-            </a:r>
-          </a:p>
-          <a:p>
-            <a:pPr lvl="2"/>
-            <a:r>
-              <a:rPr lang="en-US" dirty="0"/>
-              <a:t>Getting another party to accept the consequences of a risk should it occur</a:t>
-            </a:r>
-            <a:endParaRPr lang="en-US" dirty="0" smtClean="0"/>
-          </a:p>
-          <a:p>
-            <a:pPr lvl="1"/>
-            <a:r>
-              <a:rPr lang="en-US" dirty="0" smtClean="0">
-                <a:solidFill>
-                  <a:schemeClr val="accent5">
-                    <a:lumMod val="20000"/>
-                    <a:lumOff val="80000"/>
-                  </a:schemeClr>
-                </a:solidFill>
-              </a:rPr>
-              <a:t>Accepting</a:t>
-            </a:r>
-            <a:r>
-              <a:rPr lang="en-US" dirty="0" smtClean="0"/>
-              <a:t> (ignoring) the risk</a:t>
-            </a:r>
-          </a:p>
-          <a:p>
-            <a:pPr lvl="2"/>
-            <a:r>
-              <a:rPr lang="en-US" dirty="0" smtClean="0"/>
-              <a:t>A final option</a:t>
-            </a:r>
-            <a:endParaRPr lang="en-US" dirty="0"/>
-          </a:p>
-        </p:txBody>
-      </p:sp>
-      <p:sp>
-        <p:nvSpPr>
-          <p:cNvPr id="4" name="Slide Number Placeholder 3"/>
-          <p:cNvSpPr>
-            <a:spLocks noGrp="1"/>
-          </p:cNvSpPr>
-          <p:nvPr>
-            <p:ph type="sldNum" sz="quarter" idx="10"/>
-          </p:nvPr>
-        </p:nvSpPr>
-        <p:spPr/>
-        <p:txBody>
-          <a:bodyPr/>
-          <a:lstStyle/>
-          <a:p>
-            <a:pPr>
-              <a:defRPr/>
-            </a:pPr>
-            <a:fld id="{58452FF4-89E3-4D1B-9927-2DBDC00E58D7}" type="slidenum">
-              <a:rPr lang="en-US" smtClean="0"/>
-              <a:pPr>
-                <a:defRPr/>
-              </a:pPr>
-              <a:t>34</a:t>
             </a:fld>
             <a:endParaRPr lang="en-US" dirty="0"/>
           </a:p>
@@ -15700,7 +16300,7 @@
 </p:sld>
 </file>
 
-<file path=ppt/slides/slide35.xml><?xml version="1.0" encoding="utf-8"?>
+<file path=ppt/slides/slide34.xml><?xml version="1.0" encoding="utf-8"?>
 <p:sld xmlns:a="http://schemas.openxmlformats.org/drawingml/2006/main" xmlns:r="http://schemas.openxmlformats.org/officeDocument/2006/relationships" xmlns:p="http://schemas.openxmlformats.org/presentationml/2006/main">
   <p:cSld>
     <p:spTree>
@@ -15854,7 +16454,7 @@
               <a:pPr>
                 <a:defRPr/>
               </a:pPr>
-              <a:t>35</a:t>
+              <a:t>34</a:t>
             </a:fld>
             <a:endParaRPr lang="en-US" dirty="0"/>
           </a:p>
@@ -15944,7 +16544,7 @@
 </p:sld>
 </file>
 
-<file path=ppt/slides/slide36.xml><?xml version="1.0" encoding="utf-8"?>
+<file path=ppt/slides/slide35.xml><?xml version="1.0" encoding="utf-8"?>
 <p:sld xmlns:a="http://schemas.openxmlformats.org/drawingml/2006/main" xmlns:r="http://schemas.openxmlformats.org/officeDocument/2006/relationships" xmlns:p="http://schemas.openxmlformats.org/presentationml/2006/main">
   <p:cSld>
     <p:spTree>
@@ -16152,7 +16752,7 @@
               <a:pPr>
                 <a:defRPr/>
               </a:pPr>
-              <a:t>36</a:t>
+              <a:t>35</a:t>
             </a:fld>
             <a:endParaRPr lang="en-US" dirty="0"/>
           </a:p>
@@ -16178,7 +16778,7 @@
 </p:sld>
 </file>
 
-<file path=ppt/slides/slide37.xml><?xml version="1.0" encoding="utf-8"?>
+<file path=ppt/slides/slide36.xml><?xml version="1.0" encoding="utf-8"?>
 <p:sld xmlns:a="http://schemas.openxmlformats.org/drawingml/2006/main" xmlns:r="http://schemas.openxmlformats.org/officeDocument/2006/relationships" xmlns:p="http://schemas.openxmlformats.org/presentationml/2006/main">
   <p:cSld>
     <p:spTree>
@@ -16954,7 +17554,7 @@
 </p:sld>
 </file>
 
-<file path=ppt/slides/slide38.xml><?xml version="1.0" encoding="utf-8"?>
+<file path=ppt/slides/slide37.xml><?xml version="1.0" encoding="utf-8"?>
 <p:sld xmlns:a="http://schemas.openxmlformats.org/drawingml/2006/main" xmlns:r="http://schemas.openxmlformats.org/officeDocument/2006/relationships" xmlns:p="http://schemas.openxmlformats.org/presentationml/2006/main">
   <p:cSld>
     <p:spTree>
